--- a/SSFCfinal.pptx
+++ b/SSFCfinal.pptx
@@ -410,11 +410,11 @@
         </c:dLbls>
         <c:gapWidth val="75"/>
         <c:overlap val="-25"/>
-        <c:axId val="218310176"/>
-        <c:axId val="218312136"/>
+        <c:axId val="167273800"/>
+        <c:axId val="166999760"/>
       </c:barChart>
       <c:catAx>
-        <c:axId val="218310176"/>
+        <c:axId val="167273800"/>
         <c:scaling>
           <c:orientation val="minMax"/>
         </c:scaling>
@@ -424,7 +424,7 @@
         <c:majorTickMark val="none"/>
         <c:minorTickMark val="none"/>
         <c:tickLblPos val="nextTo"/>
-        <c:crossAx val="218312136"/>
+        <c:crossAx val="166999760"/>
         <c:crosses val="autoZero"/>
         <c:auto val="1"/>
         <c:lblAlgn val="ctr"/>
@@ -432,7 +432,7 @@
         <c:noMultiLvlLbl val="0"/>
       </c:catAx>
       <c:valAx>
-        <c:axId val="218312136"/>
+        <c:axId val="166999760"/>
         <c:scaling>
           <c:orientation val="minMax"/>
           <c:max val="200000"/>
@@ -449,7 +449,7 @@
             <a:noFill/>
           </a:ln>
         </c:spPr>
-        <c:crossAx val="218310176"/>
+        <c:crossAx val="167273800"/>
         <c:crosses val="autoZero"/>
         <c:crossBetween val="between"/>
       </c:valAx>
@@ -691,11 +691,11 @@
         </c:dLbls>
         <c:gapWidth val="75"/>
         <c:overlap val="-25"/>
-        <c:axId val="218312920"/>
-        <c:axId val="218311744"/>
+        <c:axId val="167886080"/>
+        <c:axId val="167024688"/>
       </c:barChart>
       <c:catAx>
-        <c:axId val="218312920"/>
+        <c:axId val="167886080"/>
         <c:scaling>
           <c:orientation val="minMax"/>
         </c:scaling>
@@ -705,7 +705,7 @@
         <c:majorTickMark val="none"/>
         <c:minorTickMark val="none"/>
         <c:tickLblPos val="nextTo"/>
-        <c:crossAx val="218311744"/>
+        <c:crossAx val="167024688"/>
         <c:crosses val="autoZero"/>
         <c:auto val="1"/>
         <c:lblAlgn val="ctr"/>
@@ -713,7 +713,7 @@
         <c:noMultiLvlLbl val="0"/>
       </c:catAx>
       <c:valAx>
-        <c:axId val="218311744"/>
+        <c:axId val="167024688"/>
         <c:scaling>
           <c:orientation val="minMax"/>
         </c:scaling>
@@ -729,7 +729,7 @@
             <a:noFill/>
           </a:ln>
         </c:spPr>
-        <c:crossAx val="218312920"/>
+        <c:crossAx val="167886080"/>
         <c:crosses val="autoZero"/>
         <c:crossBetween val="between"/>
       </c:valAx>
@@ -4382,7 +4382,6 @@
               <a:rPr lang="en-US" dirty="0" smtClean="0"/>
               <a:t>By </a:t>
             </a:r>
-            <a:endParaRPr lang="en-US" dirty="0" smtClean="0"/>
           </a:p>
           <a:p>
             <a:r>
@@ -4660,11 +4659,7 @@
           <a:p>
             <a:r>
               <a:rPr lang="en-US" dirty="0" smtClean="0"/>
-              <a:t>SCALABILITY</a:t>
-            </a:r>
-            <a:r>
-              <a:rPr lang="en-US" dirty="0" smtClean="0"/>
-              <a:t>	</a:t>
+              <a:t>SCALABILITY	</a:t>
             </a:r>
             <a:endParaRPr lang="en-US" dirty="0"/>
           </a:p>
@@ -4900,15 +4895,7 @@
             </a:pPr>
             <a:r>
               <a:rPr lang="en-US" sz="2800" dirty="0" smtClean="0"/>
-              <a:t>	</a:t>
-            </a:r>
-            <a:r>
-              <a:rPr lang="en-US" sz="2800" dirty="0" smtClean="0"/>
-              <a:t>devise</a:t>
-            </a:r>
-            <a:r>
-              <a:rPr lang="en-US" sz="2800" dirty="0" smtClean="0"/>
-              <a:t>, brakeman, secure headers, rack attack, code sake-dawn </a:t>
+              <a:t>	devise, brakeman, secure headers, rack attack, code sake-dawn </a:t>
             </a:r>
           </a:p>
           <a:p>
@@ -4956,13 +4943,8 @@
             </a:r>
             <a:r>
               <a:rPr lang="en-US" sz="2800" dirty="0" smtClean="0"/>
-              <a:t>	Spring </a:t>
-            </a:r>
-            <a:r>
-              <a:rPr lang="en-US" sz="2800" dirty="0" smtClean="0"/>
-              <a:t>Security</a:t>
-            </a:r>
-            <a:endParaRPr lang="en-US" sz="2800" dirty="0" smtClean="0"/>
+              <a:t>	Spring Security</a:t>
+            </a:r>
           </a:p>
           <a:p>
             <a:pPr lvl="1"/>
@@ -6211,7 +6193,7 @@
       </p:sp>
       <p:pic>
         <p:nvPicPr>
-          <p:cNvPr id="4" name="Picture 3"/>
+          <p:cNvPr id="5" name="Picture 4"/>
           <p:cNvPicPr>
             <a:picLocks noChangeAspect="1"/>
           </p:cNvPicPr>
@@ -6231,19 +6213,12 @@
         </p:blipFill>
         <p:spPr>
           <a:xfrm>
-            <a:off x="1375461" y="3863766"/>
-            <a:ext cx="5437716" cy="2142587"/>
+            <a:off x="1160586" y="3880338"/>
+            <a:ext cx="5943600" cy="1957754"/>
           </a:xfrm>
           <a:prstGeom prst="rect">
             <a:avLst/>
           </a:prstGeom>
-          <a:ln>
-            <a:solidFill>
-              <a:schemeClr val="accent1">
-                <a:lumMod val="50000"/>
-              </a:schemeClr>
-            </a:solidFill>
-          </a:ln>
         </p:spPr>
       </p:pic>
     </p:spTree>

--- a/SSFCfinal.pptx
+++ b/SSFCfinal.pptx
@@ -4497,7 +4497,12 @@
             <p:ph idx="1"/>
           </p:nvPr>
         </p:nvSpPr>
-        <p:spPr/>
+        <p:spPr>
+          <a:xfrm>
+            <a:off x="838200" y="1027906"/>
+            <a:ext cx="10515600" cy="4351338"/>
+          </a:xfrm>
+        </p:spPr>
         <p:txBody>
           <a:bodyPr/>
           <a:lstStyle/>
@@ -4545,66 +4550,917 @@
           </a:p>
         </p:txBody>
       </p:sp>
-      <p:pic>
-        <p:nvPicPr>
-          <p:cNvPr id="6" name="Picture 5"/>
-          <p:cNvPicPr>
-            <a:picLocks noChangeAspect="1"/>
-          </p:cNvPicPr>
-          <p:nvPr/>
-        </p:nvPicPr>
-        <p:blipFill>
-          <a:blip r:embed="rId2">
-            <a:extLst>
-              <a:ext uri="{28A0092B-C50C-407E-A947-70E740481C1C}">
-                <a14:useLocalDpi xmlns:a14="http://schemas.microsoft.com/office/drawing/2010/main" val="0"/>
-              </a:ext>
-            </a:extLst>
-          </a:blip>
-          <a:stretch>
-            <a:fillRect/>
-          </a:stretch>
-        </p:blipFill>
-        <p:spPr>
-          <a:xfrm>
-            <a:off x="1173134" y="4751294"/>
-            <a:ext cx="5837266" cy="1904671"/>
-          </a:xfrm>
-          <a:prstGeom prst="rect">
-            <a:avLst/>
-          </a:prstGeom>
-        </p:spPr>
-      </p:pic>
-      <p:pic>
-        <p:nvPicPr>
-          <p:cNvPr id="7" name="Picture 6"/>
-          <p:cNvPicPr>
-            <a:picLocks noChangeAspect="1"/>
-          </p:cNvPicPr>
-          <p:nvPr/>
-        </p:nvPicPr>
-        <p:blipFill>
-          <a:blip r:embed="rId3">
-            <a:extLst>
-              <a:ext uri="{28A0092B-C50C-407E-A947-70E740481C1C}">
-                <a14:useLocalDpi xmlns:a14="http://schemas.microsoft.com/office/drawing/2010/main" val="0"/>
-              </a:ext>
-            </a:extLst>
-          </a:blip>
-          <a:stretch>
-            <a:fillRect/>
-          </a:stretch>
-        </p:blipFill>
-        <p:spPr>
-          <a:xfrm>
-            <a:off x="1173134" y="2337895"/>
-            <a:ext cx="5837266" cy="1901130"/>
-          </a:xfrm>
-          <a:prstGeom prst="rect">
-            <a:avLst/>
-          </a:prstGeom>
-        </p:spPr>
-      </p:pic>
+      <p:graphicFrame>
+        <p:nvGraphicFramePr>
+          <p:cNvPr id="4" name="Table 3"/>
+          <p:cNvGraphicFramePr>
+            <a:graphicFrameLocks noGrp="1"/>
+          </p:cNvGraphicFramePr>
+          <p:nvPr>
+            <p:extLst>
+              <p:ext uri="{D42A27DB-BD31-4B8C-83A1-F6EECF244321}">
+                <p14:modId xmlns:p14="http://schemas.microsoft.com/office/powerpoint/2010/main" val="1191270092"/>
+              </p:ext>
+            </p:extLst>
+          </p:nvPr>
+        </p:nvGraphicFramePr>
+        <p:xfrm>
+          <a:off x="1173132" y="1638582"/>
+          <a:ext cx="7070535" cy="1842866"/>
+        </p:xfrm>
+        <a:graphic>
+          <a:graphicData uri="http://schemas.openxmlformats.org/drawingml/2006/table">
+            <a:tbl>
+              <a:tblPr firstRow="1" firstCol="1" bandRow="1">
+                <a:tableStyleId>{5C22544A-7EE6-4342-B048-85BDC9FD1C3A}</a:tableStyleId>
+              </a:tblPr>
+              <a:tblGrid>
+                <a:gridCol w="3524003"/>
+                <a:gridCol w="3546532"/>
+              </a:tblGrid>
+              <a:tr h="405830">
+                <a:tc>
+                  <a:txBody>
+                    <a:bodyPr/>
+                    <a:lstStyle/>
+                    <a:p>
+                      <a:pPr marL="0" marR="0">
+                        <a:lnSpc>
+                          <a:spcPct val="107000"/>
+                        </a:lnSpc>
+                        <a:spcBef>
+                          <a:spcPts val="0"/>
+                        </a:spcBef>
+                        <a:spcAft>
+                          <a:spcPts val="0"/>
+                        </a:spcAft>
+                      </a:pPr>
+                      <a:r>
+                        <a:rPr lang="en-US" sz="1800" dirty="0">
+                          <a:effectLst/>
+                        </a:rPr>
+                        <a:t>Framework</a:t>
+                      </a:r>
+                      <a:endParaRPr lang="en-US" sz="1800" dirty="0">
+                        <a:effectLst/>
+                        <a:latin typeface="Calibri" panose="020F0502020204030204" pitchFamily="34" charset="0"/>
+                        <a:ea typeface="Calibri" panose="020F0502020204030204" pitchFamily="34" charset="0"/>
+                        <a:cs typeface="Times New Roman" panose="02020603050405020304" pitchFamily="18" charset="0"/>
+                      </a:endParaRPr>
+                    </a:p>
+                  </a:txBody>
+                  <a:tcPr marL="68580" marR="68580" marT="0" marB="0"/>
+                </a:tc>
+                <a:tc>
+                  <a:txBody>
+                    <a:bodyPr/>
+                    <a:lstStyle/>
+                    <a:p>
+                      <a:pPr marL="0" marR="0">
+                        <a:lnSpc>
+                          <a:spcPct val="107000"/>
+                        </a:lnSpc>
+                        <a:spcBef>
+                          <a:spcPts val="0"/>
+                        </a:spcBef>
+                        <a:spcAft>
+                          <a:spcPts val="0"/>
+                        </a:spcAft>
+                      </a:pPr>
+                      <a:r>
+                        <a:rPr lang="en-US" sz="1800" dirty="0">
+                          <a:effectLst/>
+                        </a:rPr>
+                        <a:t>Best performance (higher </a:t>
+                      </a:r>
+                      <a:r>
+                        <a:rPr lang="en-US" sz="1800" dirty="0" smtClean="0">
+                          <a:effectLst/>
+                        </a:rPr>
+                        <a:t>is</a:t>
+                      </a:r>
+                      <a:r>
+                        <a:rPr lang="en-US" sz="1800" baseline="0" dirty="0" smtClean="0">
+                          <a:effectLst/>
+                        </a:rPr>
+                        <a:t> </a:t>
+                      </a:r>
+                      <a:r>
+                        <a:rPr lang="en-US" sz="1800" dirty="0" smtClean="0">
+                          <a:effectLst/>
+                        </a:rPr>
+                        <a:t>better</a:t>
+                      </a:r>
+                      <a:r>
+                        <a:rPr lang="en-US" sz="1800" dirty="0">
+                          <a:effectLst/>
+                        </a:rPr>
+                        <a:t>)</a:t>
+                      </a:r>
+                      <a:endParaRPr lang="en-US" sz="1800" dirty="0">
+                        <a:effectLst/>
+                        <a:latin typeface="Calibri" panose="020F0502020204030204" pitchFamily="34" charset="0"/>
+                        <a:ea typeface="Calibri" panose="020F0502020204030204" pitchFamily="34" charset="0"/>
+                        <a:cs typeface="Times New Roman" panose="02020603050405020304" pitchFamily="18" charset="0"/>
+                      </a:endParaRPr>
+                    </a:p>
+                  </a:txBody>
+                  <a:tcPr marL="68580" marR="68580" marT="0" marB="0"/>
+                </a:tc>
+              </a:tr>
+              <a:tr h="359259">
+                <a:tc>
+                  <a:txBody>
+                    <a:bodyPr/>
+                    <a:lstStyle/>
+                    <a:p>
+                      <a:pPr marL="0" marR="0">
+                        <a:lnSpc>
+                          <a:spcPct val="107000"/>
+                        </a:lnSpc>
+                        <a:spcBef>
+                          <a:spcPts val="0"/>
+                        </a:spcBef>
+                        <a:spcAft>
+                          <a:spcPts val="0"/>
+                        </a:spcAft>
+                      </a:pPr>
+                      <a:r>
+                        <a:rPr lang="en-US" sz="1800" baseline="0" dirty="0">
+                          <a:solidFill>
+                            <a:schemeClr val="tx1"/>
+                          </a:solidFill>
+                          <a:effectLst/>
+                        </a:rPr>
+                        <a:t>Spring</a:t>
+                      </a:r>
+                      <a:endParaRPr lang="en-US" sz="1800" baseline="0" dirty="0">
+                        <a:solidFill>
+                          <a:schemeClr val="tx1"/>
+                        </a:solidFill>
+                        <a:effectLst/>
+                        <a:latin typeface="Calibri" panose="020F0502020204030204" pitchFamily="34" charset="0"/>
+                        <a:ea typeface="Calibri" panose="020F0502020204030204" pitchFamily="34" charset="0"/>
+                        <a:cs typeface="Times New Roman" panose="02020603050405020304" pitchFamily="18" charset="0"/>
+                      </a:endParaRPr>
+                    </a:p>
+                  </a:txBody>
+                  <a:tcPr marL="68580" marR="68580" marT="0" marB="0">
+                    <a:solidFill>
+                      <a:schemeClr val="tx2">
+                        <a:lumMod val="20000"/>
+                        <a:lumOff val="80000"/>
+                      </a:schemeClr>
+                    </a:solidFill>
+                  </a:tcPr>
+                </a:tc>
+                <a:tc>
+                  <a:txBody>
+                    <a:bodyPr/>
+                    <a:lstStyle/>
+                    <a:p>
+                      <a:pPr marL="0" marR="0">
+                        <a:lnSpc>
+                          <a:spcPct val="107000"/>
+                        </a:lnSpc>
+                        <a:spcBef>
+                          <a:spcPts val="0"/>
+                        </a:spcBef>
+                        <a:spcAft>
+                          <a:spcPts val="0"/>
+                        </a:spcAft>
+                      </a:pPr>
+                      <a:r>
+                        <a:rPr lang="en-US" sz="1800" dirty="0">
+                          <a:effectLst/>
+                        </a:rPr>
+                        <a:t>1,526</a:t>
+                      </a:r>
+                      <a:endParaRPr lang="en-US" sz="1800" dirty="0">
+                        <a:effectLst/>
+                        <a:latin typeface="Calibri" panose="020F0502020204030204" pitchFamily="34" charset="0"/>
+                        <a:ea typeface="Calibri" panose="020F0502020204030204" pitchFamily="34" charset="0"/>
+                        <a:cs typeface="Times New Roman" panose="02020603050405020304" pitchFamily="18" charset="0"/>
+                      </a:endParaRPr>
+                    </a:p>
+                  </a:txBody>
+                  <a:tcPr marL="68580" marR="68580" marT="0" marB="0">
+                    <a:solidFill>
+                      <a:schemeClr val="tx2">
+                        <a:lumMod val="20000"/>
+                        <a:lumOff val="80000"/>
+                      </a:schemeClr>
+                    </a:solidFill>
+                  </a:tcPr>
+                </a:tc>
+              </a:tr>
+              <a:tr h="359259">
+                <a:tc>
+                  <a:txBody>
+                    <a:bodyPr/>
+                    <a:lstStyle/>
+                    <a:p>
+                      <a:pPr marL="0" marR="0">
+                        <a:lnSpc>
+                          <a:spcPct val="107000"/>
+                        </a:lnSpc>
+                        <a:spcBef>
+                          <a:spcPts val="0"/>
+                        </a:spcBef>
+                        <a:spcAft>
+                          <a:spcPts val="0"/>
+                        </a:spcAft>
+                      </a:pPr>
+                      <a:r>
+                        <a:rPr lang="en-US" sz="1800" dirty="0">
+                          <a:solidFill>
+                            <a:schemeClr val="tx1"/>
+                          </a:solidFill>
+                          <a:effectLst/>
+                        </a:rPr>
+                        <a:t>Trinidad Rails</a:t>
+                      </a:r>
+                      <a:endParaRPr lang="en-US" sz="1800" dirty="0">
+                        <a:solidFill>
+                          <a:schemeClr val="tx1"/>
+                        </a:solidFill>
+                        <a:effectLst/>
+                        <a:latin typeface="Calibri" panose="020F0502020204030204" pitchFamily="34" charset="0"/>
+                        <a:ea typeface="Calibri" panose="020F0502020204030204" pitchFamily="34" charset="0"/>
+                        <a:cs typeface="Times New Roman" panose="02020603050405020304" pitchFamily="18" charset="0"/>
+                      </a:endParaRPr>
+                    </a:p>
+                  </a:txBody>
+                  <a:tcPr marL="68580" marR="68580" marT="0" marB="0">
+                    <a:solidFill>
+                      <a:schemeClr val="tx2">
+                        <a:lumMod val="20000"/>
+                        <a:lumOff val="80000"/>
+                      </a:schemeClr>
+                    </a:solidFill>
+                  </a:tcPr>
+                </a:tc>
+                <a:tc>
+                  <a:txBody>
+                    <a:bodyPr/>
+                    <a:lstStyle/>
+                    <a:p>
+                      <a:pPr marL="0" marR="0">
+                        <a:lnSpc>
+                          <a:spcPct val="107000"/>
+                        </a:lnSpc>
+                        <a:spcBef>
+                          <a:spcPts val="0"/>
+                        </a:spcBef>
+                        <a:spcAft>
+                          <a:spcPts val="0"/>
+                        </a:spcAft>
+                      </a:pPr>
+                      <a:r>
+                        <a:rPr lang="en-US" sz="1800" dirty="0">
+                          <a:effectLst/>
+                        </a:rPr>
+                        <a:t>1,128</a:t>
+                      </a:r>
+                      <a:endParaRPr lang="en-US" sz="1800" dirty="0">
+                        <a:effectLst/>
+                        <a:latin typeface="Calibri" panose="020F0502020204030204" pitchFamily="34" charset="0"/>
+                        <a:ea typeface="Calibri" panose="020F0502020204030204" pitchFamily="34" charset="0"/>
+                        <a:cs typeface="Times New Roman" panose="02020603050405020304" pitchFamily="18" charset="0"/>
+                      </a:endParaRPr>
+                    </a:p>
+                  </a:txBody>
+                  <a:tcPr marL="68580" marR="68580" marT="0" marB="0">
+                    <a:solidFill>
+                      <a:schemeClr val="tx2">
+                        <a:lumMod val="20000"/>
+                        <a:lumOff val="80000"/>
+                      </a:schemeClr>
+                    </a:solidFill>
+                  </a:tcPr>
+                </a:tc>
+              </a:tr>
+              <a:tr h="359259">
+                <a:tc>
+                  <a:txBody>
+                    <a:bodyPr/>
+                    <a:lstStyle/>
+                    <a:p>
+                      <a:pPr marL="0" marR="0">
+                        <a:lnSpc>
+                          <a:spcPct val="107000"/>
+                        </a:lnSpc>
+                        <a:spcBef>
+                          <a:spcPts val="0"/>
+                        </a:spcBef>
+                        <a:spcAft>
+                          <a:spcPts val="0"/>
+                        </a:spcAft>
+                      </a:pPr>
+                      <a:r>
+                        <a:rPr lang="en-US" sz="1800" dirty="0">
+                          <a:solidFill>
+                            <a:schemeClr val="tx1"/>
+                          </a:solidFill>
+                          <a:effectLst/>
+                        </a:rPr>
+                        <a:t>Grails</a:t>
+                      </a:r>
+                      <a:r>
+                        <a:rPr lang="en-US" sz="1800" dirty="0">
+                          <a:effectLst/>
+                        </a:rPr>
+                        <a:t> </a:t>
+                      </a:r>
+                      <a:endParaRPr lang="en-US" sz="1800" dirty="0">
+                        <a:effectLst/>
+                        <a:latin typeface="Calibri" panose="020F0502020204030204" pitchFamily="34" charset="0"/>
+                        <a:ea typeface="Calibri" panose="020F0502020204030204" pitchFamily="34" charset="0"/>
+                        <a:cs typeface="Times New Roman" panose="02020603050405020304" pitchFamily="18" charset="0"/>
+                      </a:endParaRPr>
+                    </a:p>
+                  </a:txBody>
+                  <a:tcPr marL="68580" marR="68580" marT="0" marB="0">
+                    <a:solidFill>
+                      <a:schemeClr val="tx2">
+                        <a:lumMod val="20000"/>
+                        <a:lumOff val="80000"/>
+                      </a:schemeClr>
+                    </a:solidFill>
+                  </a:tcPr>
+                </a:tc>
+                <a:tc>
+                  <a:txBody>
+                    <a:bodyPr/>
+                    <a:lstStyle/>
+                    <a:p>
+                      <a:pPr marL="0" marR="0">
+                        <a:lnSpc>
+                          <a:spcPct val="107000"/>
+                        </a:lnSpc>
+                        <a:spcBef>
+                          <a:spcPts val="0"/>
+                        </a:spcBef>
+                        <a:spcAft>
+                          <a:spcPts val="0"/>
+                        </a:spcAft>
+                      </a:pPr>
+                      <a:r>
+                        <a:rPr lang="en-US" sz="1800" dirty="0">
+                          <a:effectLst/>
+                        </a:rPr>
+                        <a:t>902</a:t>
+                      </a:r>
+                      <a:endParaRPr lang="en-US" sz="1800" dirty="0">
+                        <a:effectLst/>
+                        <a:latin typeface="Calibri" panose="020F0502020204030204" pitchFamily="34" charset="0"/>
+                        <a:ea typeface="Calibri" panose="020F0502020204030204" pitchFamily="34" charset="0"/>
+                        <a:cs typeface="Times New Roman" panose="02020603050405020304" pitchFamily="18" charset="0"/>
+                      </a:endParaRPr>
+                    </a:p>
+                  </a:txBody>
+                  <a:tcPr marL="68580" marR="68580" marT="0" marB="0">
+                    <a:solidFill>
+                      <a:schemeClr val="tx2">
+                        <a:lumMod val="20000"/>
+                        <a:lumOff val="80000"/>
+                      </a:schemeClr>
+                    </a:solidFill>
+                  </a:tcPr>
+                </a:tc>
+              </a:tr>
+              <a:tr h="359259">
+                <a:tc>
+                  <a:txBody>
+                    <a:bodyPr/>
+                    <a:lstStyle/>
+                    <a:p>
+                      <a:pPr marL="0" marR="0">
+                        <a:lnSpc>
+                          <a:spcPct val="107000"/>
+                        </a:lnSpc>
+                        <a:spcBef>
+                          <a:spcPts val="0"/>
+                        </a:spcBef>
+                        <a:spcAft>
+                          <a:spcPts val="0"/>
+                        </a:spcAft>
+                      </a:pPr>
+                      <a:r>
+                        <a:rPr lang="en-US" sz="1800" dirty="0">
+                          <a:solidFill>
+                            <a:schemeClr val="tx1"/>
+                          </a:solidFill>
+                          <a:effectLst/>
+                        </a:rPr>
+                        <a:t>Django</a:t>
+                      </a:r>
+                      <a:endParaRPr lang="en-US" sz="1800" dirty="0">
+                        <a:solidFill>
+                          <a:schemeClr val="tx1"/>
+                        </a:solidFill>
+                        <a:effectLst/>
+                        <a:latin typeface="Calibri" panose="020F0502020204030204" pitchFamily="34" charset="0"/>
+                        <a:ea typeface="Calibri" panose="020F0502020204030204" pitchFamily="34" charset="0"/>
+                        <a:cs typeface="Times New Roman" panose="02020603050405020304" pitchFamily="18" charset="0"/>
+                      </a:endParaRPr>
+                    </a:p>
+                  </a:txBody>
+                  <a:tcPr marL="68580" marR="68580" marT="0" marB="0">
+                    <a:solidFill>
+                      <a:schemeClr val="tx2">
+                        <a:lumMod val="20000"/>
+                        <a:lumOff val="80000"/>
+                      </a:schemeClr>
+                    </a:solidFill>
+                  </a:tcPr>
+                </a:tc>
+                <a:tc>
+                  <a:txBody>
+                    <a:bodyPr/>
+                    <a:lstStyle/>
+                    <a:p>
+                      <a:pPr marL="0" marR="0">
+                        <a:lnSpc>
+                          <a:spcPct val="107000"/>
+                        </a:lnSpc>
+                        <a:spcBef>
+                          <a:spcPts val="0"/>
+                        </a:spcBef>
+                        <a:spcAft>
+                          <a:spcPts val="0"/>
+                        </a:spcAft>
+                      </a:pPr>
+                      <a:r>
+                        <a:rPr lang="en-US" sz="1800" dirty="0">
+                          <a:effectLst/>
+                        </a:rPr>
+                        <a:t>790</a:t>
+                      </a:r>
+                      <a:endParaRPr lang="en-US" sz="1800" dirty="0">
+                        <a:effectLst/>
+                        <a:latin typeface="Calibri" panose="020F0502020204030204" pitchFamily="34" charset="0"/>
+                        <a:ea typeface="Calibri" panose="020F0502020204030204" pitchFamily="34" charset="0"/>
+                        <a:cs typeface="Times New Roman" panose="02020603050405020304" pitchFamily="18" charset="0"/>
+                      </a:endParaRPr>
+                    </a:p>
+                  </a:txBody>
+                  <a:tcPr marL="68580" marR="68580" marT="0" marB="0">
+                    <a:solidFill>
+                      <a:schemeClr val="tx2">
+                        <a:lumMod val="20000"/>
+                        <a:lumOff val="80000"/>
+                      </a:schemeClr>
+                    </a:solidFill>
+                  </a:tcPr>
+                </a:tc>
+              </a:tr>
+            </a:tbl>
+          </a:graphicData>
+        </a:graphic>
+      </p:graphicFrame>
+      <p:graphicFrame>
+        <p:nvGraphicFramePr>
+          <p:cNvPr id="5" name="Table 4"/>
+          <p:cNvGraphicFramePr>
+            <a:graphicFrameLocks noGrp="1"/>
+          </p:cNvGraphicFramePr>
+          <p:nvPr>
+            <p:extLst>
+              <p:ext uri="{D42A27DB-BD31-4B8C-83A1-F6EECF244321}">
+                <p14:modId xmlns:p14="http://schemas.microsoft.com/office/powerpoint/2010/main" val="157670285"/>
+              </p:ext>
+            </p:extLst>
+          </p:nvPr>
+        </p:nvGraphicFramePr>
+        <p:xfrm>
+          <a:off x="1209822" y="4199156"/>
+          <a:ext cx="7104184" cy="1842869"/>
+        </p:xfrm>
+        <a:graphic>
+          <a:graphicData uri="http://schemas.openxmlformats.org/drawingml/2006/table">
+            <a:tbl>
+              <a:tblPr firstRow="1" firstCol="1" bandRow="1">
+                <a:tableStyleId>{5C22544A-7EE6-4342-B048-85BDC9FD1C3A}</a:tableStyleId>
+              </a:tblPr>
+              <a:tblGrid>
+                <a:gridCol w="3540774"/>
+                <a:gridCol w="3563410"/>
+              </a:tblGrid>
+              <a:tr h="409497">
+                <a:tc>
+                  <a:txBody>
+                    <a:bodyPr/>
+                    <a:lstStyle/>
+                    <a:p>
+                      <a:pPr marL="0" marR="0">
+                        <a:lnSpc>
+                          <a:spcPct val="107000"/>
+                        </a:lnSpc>
+                        <a:spcBef>
+                          <a:spcPts val="0"/>
+                        </a:spcBef>
+                        <a:spcAft>
+                          <a:spcPts val="0"/>
+                        </a:spcAft>
+                      </a:pPr>
+                      <a:r>
+                        <a:rPr lang="en-US" sz="1800" dirty="0">
+                          <a:effectLst/>
+                        </a:rPr>
+                        <a:t>Framework</a:t>
+                      </a:r>
+                      <a:endParaRPr lang="en-US" sz="1800" dirty="0">
+                        <a:effectLst/>
+                        <a:latin typeface="Calibri" panose="020F0502020204030204" pitchFamily="34" charset="0"/>
+                        <a:ea typeface="Calibri" panose="020F0502020204030204" pitchFamily="34" charset="0"/>
+                        <a:cs typeface="Times New Roman" panose="02020603050405020304" pitchFamily="18" charset="0"/>
+                      </a:endParaRPr>
+                    </a:p>
+                  </a:txBody>
+                  <a:tcPr marL="68580" marR="68580" marT="0" marB="0"/>
+                </a:tc>
+                <a:tc>
+                  <a:txBody>
+                    <a:bodyPr/>
+                    <a:lstStyle/>
+                    <a:p>
+                      <a:pPr marL="0" marR="0">
+                        <a:lnSpc>
+                          <a:spcPct val="107000"/>
+                        </a:lnSpc>
+                        <a:spcBef>
+                          <a:spcPts val="0"/>
+                        </a:spcBef>
+                        <a:spcAft>
+                          <a:spcPts val="0"/>
+                        </a:spcAft>
+                      </a:pPr>
+                      <a:r>
+                        <a:rPr lang="en-US" sz="1800" dirty="0">
+                          <a:effectLst/>
+                        </a:rPr>
+                        <a:t>Best performance (higher is better)</a:t>
+                      </a:r>
+                      <a:endParaRPr lang="en-US" sz="1800" dirty="0">
+                        <a:effectLst/>
+                        <a:latin typeface="Calibri" panose="020F0502020204030204" pitchFamily="34" charset="0"/>
+                        <a:ea typeface="Calibri" panose="020F0502020204030204" pitchFamily="34" charset="0"/>
+                        <a:cs typeface="Times New Roman" panose="02020603050405020304" pitchFamily="18" charset="0"/>
+                      </a:endParaRPr>
+                    </a:p>
+                  </a:txBody>
+                  <a:tcPr marL="68580" marR="68580" marT="0" marB="0"/>
+                </a:tc>
+              </a:tr>
+              <a:tr h="362505">
+                <a:tc>
+                  <a:txBody>
+                    <a:bodyPr/>
+                    <a:lstStyle/>
+                    <a:p>
+                      <a:pPr marL="0" marR="0">
+                        <a:lnSpc>
+                          <a:spcPct val="107000"/>
+                        </a:lnSpc>
+                        <a:spcBef>
+                          <a:spcPts val="0"/>
+                        </a:spcBef>
+                        <a:spcAft>
+                          <a:spcPts val="0"/>
+                        </a:spcAft>
+                      </a:pPr>
+                      <a:r>
+                        <a:rPr lang="en-US" sz="1800" dirty="0">
+                          <a:solidFill>
+                            <a:schemeClr val="tx1"/>
+                          </a:solidFill>
+                          <a:effectLst/>
+                        </a:rPr>
+                        <a:t>Spring</a:t>
+                      </a:r>
+                      <a:endParaRPr lang="en-US" sz="1800" dirty="0">
+                        <a:solidFill>
+                          <a:schemeClr val="tx1"/>
+                        </a:solidFill>
+                        <a:effectLst/>
+                        <a:latin typeface="Calibri" panose="020F0502020204030204" pitchFamily="34" charset="0"/>
+                        <a:ea typeface="Calibri" panose="020F0502020204030204" pitchFamily="34" charset="0"/>
+                        <a:cs typeface="Times New Roman" panose="02020603050405020304" pitchFamily="18" charset="0"/>
+                      </a:endParaRPr>
+                    </a:p>
+                  </a:txBody>
+                  <a:tcPr marL="68580" marR="68580" marT="0" marB="0">
+                    <a:solidFill>
+                      <a:schemeClr val="tx2">
+                        <a:lumMod val="20000"/>
+                        <a:lumOff val="80000"/>
+                      </a:schemeClr>
+                    </a:solidFill>
+                  </a:tcPr>
+                </a:tc>
+                <a:tc>
+                  <a:txBody>
+                    <a:bodyPr/>
+                    <a:lstStyle/>
+                    <a:p>
+                      <a:pPr marL="0" marR="0">
+                        <a:lnSpc>
+                          <a:spcPct val="107000"/>
+                        </a:lnSpc>
+                        <a:spcBef>
+                          <a:spcPts val="0"/>
+                        </a:spcBef>
+                        <a:spcAft>
+                          <a:spcPts val="0"/>
+                        </a:spcAft>
+                      </a:pPr>
+                      <a:r>
+                        <a:rPr lang="en-US" sz="1800" dirty="0">
+                          <a:effectLst/>
+                        </a:rPr>
+                        <a:t>123,174</a:t>
+                      </a:r>
+                      <a:endParaRPr lang="en-US" sz="1800" dirty="0">
+                        <a:effectLst/>
+                        <a:latin typeface="Calibri" panose="020F0502020204030204" pitchFamily="34" charset="0"/>
+                        <a:ea typeface="Calibri" panose="020F0502020204030204" pitchFamily="34" charset="0"/>
+                        <a:cs typeface="Times New Roman" panose="02020603050405020304" pitchFamily="18" charset="0"/>
+                      </a:endParaRPr>
+                    </a:p>
+                  </a:txBody>
+                  <a:tcPr marL="68580" marR="68580" marT="0" marB="0">
+                    <a:solidFill>
+                      <a:schemeClr val="tx2">
+                        <a:lumMod val="20000"/>
+                        <a:lumOff val="80000"/>
+                      </a:schemeClr>
+                    </a:solidFill>
+                  </a:tcPr>
+                </a:tc>
+              </a:tr>
+              <a:tr h="362505">
+                <a:tc>
+                  <a:txBody>
+                    <a:bodyPr/>
+                    <a:lstStyle/>
+                    <a:p>
+                      <a:pPr marL="0" marR="0">
+                        <a:lnSpc>
+                          <a:spcPct val="107000"/>
+                        </a:lnSpc>
+                        <a:spcBef>
+                          <a:spcPts val="0"/>
+                        </a:spcBef>
+                        <a:spcAft>
+                          <a:spcPts val="0"/>
+                        </a:spcAft>
+                      </a:pPr>
+                      <a:r>
+                        <a:rPr lang="en-US" sz="1800" dirty="0">
+                          <a:solidFill>
+                            <a:schemeClr val="tx1"/>
+                          </a:solidFill>
+                          <a:effectLst/>
+                        </a:rPr>
+                        <a:t>Grails</a:t>
+                      </a:r>
+                      <a:endParaRPr lang="en-US" sz="1800" dirty="0">
+                        <a:solidFill>
+                          <a:schemeClr val="tx1"/>
+                        </a:solidFill>
+                        <a:effectLst/>
+                        <a:latin typeface="Calibri" panose="020F0502020204030204" pitchFamily="34" charset="0"/>
+                        <a:ea typeface="Calibri" panose="020F0502020204030204" pitchFamily="34" charset="0"/>
+                        <a:cs typeface="Times New Roman" panose="02020603050405020304" pitchFamily="18" charset="0"/>
+                      </a:endParaRPr>
+                    </a:p>
+                  </a:txBody>
+                  <a:tcPr marL="68580" marR="68580" marT="0" marB="0">
+                    <a:solidFill>
+                      <a:schemeClr val="tx2">
+                        <a:lumMod val="20000"/>
+                        <a:lumOff val="80000"/>
+                      </a:schemeClr>
+                    </a:solidFill>
+                  </a:tcPr>
+                </a:tc>
+                <a:tc>
+                  <a:txBody>
+                    <a:bodyPr/>
+                    <a:lstStyle/>
+                    <a:p>
+                      <a:pPr marL="0" marR="0">
+                        <a:lnSpc>
+                          <a:spcPct val="107000"/>
+                        </a:lnSpc>
+                        <a:spcBef>
+                          <a:spcPts val="0"/>
+                        </a:spcBef>
+                        <a:spcAft>
+                          <a:spcPts val="0"/>
+                        </a:spcAft>
+                      </a:pPr>
+                      <a:r>
+                        <a:rPr lang="en-US" sz="1800" dirty="0">
+                          <a:effectLst/>
+                        </a:rPr>
+                        <a:t>77,072</a:t>
+                      </a:r>
+                      <a:endParaRPr lang="en-US" sz="1800" dirty="0">
+                        <a:effectLst/>
+                        <a:latin typeface="Calibri" panose="020F0502020204030204" pitchFamily="34" charset="0"/>
+                        <a:ea typeface="Calibri" panose="020F0502020204030204" pitchFamily="34" charset="0"/>
+                        <a:cs typeface="Times New Roman" panose="02020603050405020304" pitchFamily="18" charset="0"/>
+                      </a:endParaRPr>
+                    </a:p>
+                  </a:txBody>
+                  <a:tcPr marL="68580" marR="68580" marT="0" marB="0">
+                    <a:solidFill>
+                      <a:schemeClr val="tx2">
+                        <a:lumMod val="20000"/>
+                        <a:lumOff val="80000"/>
+                      </a:schemeClr>
+                    </a:solidFill>
+                  </a:tcPr>
+                </a:tc>
+              </a:tr>
+              <a:tr h="345857">
+                <a:tc>
+                  <a:txBody>
+                    <a:bodyPr/>
+                    <a:lstStyle/>
+                    <a:p>
+                      <a:pPr marL="0" marR="0">
+                        <a:lnSpc>
+                          <a:spcPct val="107000"/>
+                        </a:lnSpc>
+                        <a:spcBef>
+                          <a:spcPts val="0"/>
+                        </a:spcBef>
+                        <a:spcAft>
+                          <a:spcPts val="0"/>
+                        </a:spcAft>
+                      </a:pPr>
+                      <a:r>
+                        <a:rPr lang="en-US" sz="1800" dirty="0">
+                          <a:solidFill>
+                            <a:schemeClr val="tx1"/>
+                          </a:solidFill>
+                          <a:effectLst/>
+                        </a:rPr>
+                        <a:t>Trinidad Rails</a:t>
+                      </a:r>
+                      <a:endParaRPr lang="en-US" sz="1800" dirty="0">
+                        <a:solidFill>
+                          <a:schemeClr val="tx1"/>
+                        </a:solidFill>
+                        <a:effectLst/>
+                        <a:latin typeface="Calibri" panose="020F0502020204030204" pitchFamily="34" charset="0"/>
+                        <a:ea typeface="Calibri" panose="020F0502020204030204" pitchFamily="34" charset="0"/>
+                        <a:cs typeface="Times New Roman" panose="02020603050405020304" pitchFamily="18" charset="0"/>
+                      </a:endParaRPr>
+                    </a:p>
+                  </a:txBody>
+                  <a:tcPr marL="68580" marR="68580" marT="0" marB="0">
+                    <a:solidFill>
+                      <a:schemeClr val="tx2">
+                        <a:lumMod val="20000"/>
+                        <a:lumOff val="80000"/>
+                      </a:schemeClr>
+                    </a:solidFill>
+                  </a:tcPr>
+                </a:tc>
+                <a:tc>
+                  <a:txBody>
+                    <a:bodyPr/>
+                    <a:lstStyle/>
+                    <a:p>
+                      <a:pPr marL="0" marR="0">
+                        <a:lnSpc>
+                          <a:spcPct val="107000"/>
+                        </a:lnSpc>
+                        <a:spcBef>
+                          <a:spcPts val="0"/>
+                        </a:spcBef>
+                        <a:spcAft>
+                          <a:spcPts val="0"/>
+                        </a:spcAft>
+                      </a:pPr>
+                      <a:r>
+                        <a:rPr lang="en-US" sz="1800" dirty="0">
+                          <a:effectLst/>
+                        </a:rPr>
+                        <a:t>2,007</a:t>
+                      </a:r>
+                      <a:endParaRPr lang="en-US" sz="1800" dirty="0">
+                        <a:effectLst/>
+                        <a:latin typeface="Calibri" panose="020F0502020204030204" pitchFamily="34" charset="0"/>
+                        <a:ea typeface="Calibri" panose="020F0502020204030204" pitchFamily="34" charset="0"/>
+                        <a:cs typeface="Times New Roman" panose="02020603050405020304" pitchFamily="18" charset="0"/>
+                      </a:endParaRPr>
+                    </a:p>
+                  </a:txBody>
+                  <a:tcPr marL="68580" marR="68580" marT="0" marB="0">
+                    <a:solidFill>
+                      <a:schemeClr val="tx2">
+                        <a:lumMod val="20000"/>
+                        <a:lumOff val="80000"/>
+                      </a:schemeClr>
+                    </a:solidFill>
+                  </a:tcPr>
+                </a:tc>
+              </a:tr>
+              <a:tr h="362505">
+                <a:tc>
+                  <a:txBody>
+                    <a:bodyPr/>
+                    <a:lstStyle/>
+                    <a:p>
+                      <a:pPr marL="0" marR="0">
+                        <a:lnSpc>
+                          <a:spcPct val="107000"/>
+                        </a:lnSpc>
+                        <a:spcBef>
+                          <a:spcPts val="0"/>
+                        </a:spcBef>
+                        <a:spcAft>
+                          <a:spcPts val="0"/>
+                        </a:spcAft>
+                      </a:pPr>
+                      <a:r>
+                        <a:rPr lang="en-US" sz="1800" dirty="0">
+                          <a:solidFill>
+                            <a:schemeClr val="tx1"/>
+                          </a:solidFill>
+                          <a:effectLst/>
+                        </a:rPr>
+                        <a:t>Django</a:t>
+                      </a:r>
+                      <a:endParaRPr lang="en-US" sz="1800" dirty="0">
+                        <a:solidFill>
+                          <a:schemeClr val="tx1"/>
+                        </a:solidFill>
+                        <a:effectLst/>
+                        <a:latin typeface="Calibri" panose="020F0502020204030204" pitchFamily="34" charset="0"/>
+                        <a:ea typeface="Calibri" panose="020F0502020204030204" pitchFamily="34" charset="0"/>
+                        <a:cs typeface="Times New Roman" panose="02020603050405020304" pitchFamily="18" charset="0"/>
+                      </a:endParaRPr>
+                    </a:p>
+                  </a:txBody>
+                  <a:tcPr marL="68580" marR="68580" marT="0" marB="0">
+                    <a:solidFill>
+                      <a:schemeClr val="tx2">
+                        <a:lumMod val="20000"/>
+                        <a:lumOff val="80000"/>
+                      </a:schemeClr>
+                    </a:solidFill>
+                  </a:tcPr>
+                </a:tc>
+                <a:tc>
+                  <a:txBody>
+                    <a:bodyPr/>
+                    <a:lstStyle/>
+                    <a:p>
+                      <a:pPr marL="0" marR="0">
+                        <a:lnSpc>
+                          <a:spcPct val="107000"/>
+                        </a:lnSpc>
+                        <a:spcBef>
+                          <a:spcPts val="0"/>
+                        </a:spcBef>
+                        <a:spcAft>
+                          <a:spcPts val="0"/>
+                        </a:spcAft>
+                      </a:pPr>
+                      <a:r>
+                        <a:rPr lang="en-US" sz="1800" dirty="0">
+                          <a:effectLst/>
+                        </a:rPr>
+                        <a:t>NA</a:t>
+                      </a:r>
+                      <a:endParaRPr lang="en-US" sz="1800" dirty="0">
+                        <a:effectLst/>
+                        <a:latin typeface="Calibri" panose="020F0502020204030204" pitchFamily="34" charset="0"/>
+                        <a:ea typeface="Calibri" panose="020F0502020204030204" pitchFamily="34" charset="0"/>
+                        <a:cs typeface="Times New Roman" panose="02020603050405020304" pitchFamily="18" charset="0"/>
+                      </a:endParaRPr>
+                    </a:p>
+                  </a:txBody>
+                  <a:tcPr marL="68580" marR="68580" marT="0" marB="0">
+                    <a:solidFill>
+                      <a:schemeClr val="tx2">
+                        <a:lumMod val="20000"/>
+                        <a:lumOff val="80000"/>
+                      </a:schemeClr>
+                    </a:solidFill>
+                  </a:tcPr>
+                </a:tc>
+              </a:tr>
+            </a:tbl>
+          </a:graphicData>
+        </a:graphic>
+      </p:graphicFrame>
     </p:spTree>
     <p:extLst>
       <p:ext uri="{BB962C8B-B14F-4D97-AF65-F5344CB8AC3E}">
@@ -4657,6 +5513,7 @@
           <a:bodyPr/>
           <a:lstStyle/>
           <a:p>
+            <a:pPr algn="ctr"/>
             <a:r>
               <a:rPr lang="en-US" dirty="0" smtClean="0"/>
               <a:t>SCALABILITY	</a:t>
@@ -4834,6 +5691,7 @@
           <a:bodyPr/>
           <a:lstStyle/>
           <a:p>
+            <a:pPr algn="ctr"/>
             <a:r>
               <a:rPr lang="en-US" dirty="0" smtClean="0"/>
               <a:t>SECURITY</a:t>
@@ -4864,16 +5722,19 @@
           </a:bodyPr>
           <a:lstStyle/>
           <a:p>
-            <a:r>
-              <a:rPr lang="en-US" dirty="0" smtClean="0"/>
-              <a:t>What is Security?</a:t>
-            </a:r>
-          </a:p>
-          <a:p>
             <a:pPr marL="0" indent="0">
               <a:buNone/>
             </a:pPr>
             <a:r>
+              <a:rPr lang="en-US" dirty="0" smtClean="0"/>
+              <a:t>What is Security?</a:t>
+            </a:r>
+          </a:p>
+          <a:p>
+            <a:pPr marL="0" indent="0">
+              <a:buNone/>
+            </a:pPr>
+            <a:r>
               <a:rPr lang="en-US" dirty="0"/>
               <a:t>-</a:t>
             </a:r>
@@ -4915,15 +5776,11 @@
             </a:r>
             <a:r>
               <a:rPr lang="en-US" sz="2800" dirty="0" smtClean="0"/>
-              <a:t>	</a:t>
-            </a:r>
-            <a:r>
-              <a:rPr lang="en-US" sz="2800" dirty="0"/>
-              <a:t>Acegi</a:t>
+              <a:t>Acegi/Spring </a:t>
             </a:r>
             <a:r>
               <a:rPr lang="en-US" sz="2800" dirty="0" smtClean="0"/>
-              <a:t>/Spring Security</a:t>
+              <a:t>Security</a:t>
             </a:r>
           </a:p>
           <a:p>
@@ -4943,7 +5800,11 @@
             </a:r>
             <a:r>
               <a:rPr lang="en-US" sz="2800" dirty="0" smtClean="0"/>
-              <a:t>	Spring Security</a:t>
+              <a:t>Spring </a:t>
+            </a:r>
+            <a:r>
+              <a:rPr lang="en-US" sz="2800" dirty="0" smtClean="0"/>
+              <a:t>Security</a:t>
             </a:r>
           </a:p>
           <a:p>
@@ -4959,7 +5820,7 @@
             </a:pPr>
             <a:r>
               <a:rPr lang="en-US" sz="2800" dirty="0" smtClean="0"/>
-              <a:t>Cross </a:t>
+              <a:t>     Cross </a:t>
             </a:r>
             <a:r>
               <a:rPr lang="en-US" sz="2800" dirty="0"/>
@@ -4975,7 +5836,15 @@
             </a:r>
             <a:r>
               <a:rPr lang="en-US" sz="2800" dirty="0" smtClean="0"/>
-              <a:t>      protection, </a:t>
+              <a:t>      </a:t>
+            </a:r>
+            <a:r>
+              <a:rPr lang="en-US" sz="2800" dirty="0" smtClean="0"/>
+              <a:t>      protection</a:t>
+            </a:r>
+            <a:r>
+              <a:rPr lang="en-US" sz="2800" dirty="0" smtClean="0"/>
+              <a:t>, </a:t>
             </a:r>
             <a:r>
               <a:rPr lang="en-US" sz="2800" dirty="0"/>
@@ -5131,7 +6000,7 @@
               <a:buAutoNum type="arabicPeriod"/>
             </a:pPr>
             <a:r>
-              <a:rPr lang="en-US" dirty="0"/>
+              <a:rPr lang="en-US" sz="2800" dirty="0"/>
               <a:t>Security</a:t>
             </a:r>
           </a:p>
@@ -5141,7 +6010,7 @@
               <a:buAutoNum type="arabicPeriod"/>
             </a:pPr>
             <a:r>
-              <a:rPr lang="en-US" dirty="0"/>
+              <a:rPr lang="en-US" sz="2800" dirty="0"/>
               <a:t>Browser Compatibility</a:t>
             </a:r>
           </a:p>
@@ -5151,7 +6020,7 @@
               <a:buAutoNum type="arabicPeriod"/>
             </a:pPr>
             <a:r>
-              <a:rPr lang="en-US" dirty="0"/>
+              <a:rPr lang="en-US" sz="2800" dirty="0"/>
               <a:t>Inconsistency</a:t>
             </a:r>
           </a:p>
@@ -5161,7 +6030,7 @@
               <a:buAutoNum type="arabicPeriod"/>
             </a:pPr>
             <a:r>
-              <a:rPr lang="en-US" dirty="0"/>
+              <a:rPr lang="en-US" sz="2800" dirty="0"/>
               <a:t>Testing</a:t>
             </a:r>
           </a:p>
@@ -5171,7 +6040,7 @@
               <a:buAutoNum type="arabicPeriod"/>
             </a:pPr>
             <a:r>
-              <a:rPr lang="en-US" dirty="0"/>
+              <a:rPr lang="en-US" sz="2800" dirty="0"/>
               <a:t>Initial Rendering</a:t>
             </a:r>
           </a:p>
@@ -5181,7 +6050,7 @@
               <a:buAutoNum type="arabicPeriod"/>
             </a:pPr>
             <a:r>
-              <a:rPr lang="en-US" dirty="0"/>
+              <a:rPr lang="en-US" sz="2800" dirty="0"/>
               <a:t>Search Engine Optimization</a:t>
             </a:r>
           </a:p>
@@ -5191,7 +6060,7 @@
               <a:buAutoNum type="arabicPeriod"/>
             </a:pPr>
             <a:r>
-              <a:rPr lang="en-US" dirty="0"/>
+              <a:rPr lang="en-US" sz="2800" dirty="0"/>
               <a:t>Resource Intensive Computation</a:t>
             </a:r>
           </a:p>
@@ -5276,10 +6145,10 @@
               <a:buAutoNum type="arabicPeriod"/>
             </a:pPr>
             <a:r>
-              <a:rPr lang="en-US" dirty="0" smtClean="0"/>
+              <a:rPr lang="en-US" sz="2800" dirty="0" smtClean="0"/>
               <a:t>Bandwidth</a:t>
             </a:r>
-            <a:endParaRPr lang="en-US" dirty="0"/>
+            <a:endParaRPr lang="en-US" sz="2800" dirty="0"/>
           </a:p>
           <a:p>
             <a:pPr marL="914400" lvl="1" indent="-457200">
@@ -5287,10 +6156,10 @@
               <a:buAutoNum type="arabicPeriod"/>
             </a:pPr>
             <a:r>
-              <a:rPr lang="en-US" dirty="0" smtClean="0"/>
+              <a:rPr lang="en-US" sz="2800" dirty="0" smtClean="0"/>
               <a:t>Server load</a:t>
             </a:r>
-            <a:endParaRPr lang="en-US" dirty="0"/>
+            <a:endParaRPr lang="en-US" sz="2800" dirty="0"/>
           </a:p>
           <a:p>
             <a:pPr marL="914400" lvl="1" indent="-457200">
@@ -5298,10 +6167,10 @@
               <a:buAutoNum type="arabicPeriod"/>
             </a:pPr>
             <a:r>
-              <a:rPr lang="en-US" dirty="0" smtClean="0"/>
+              <a:rPr lang="en-US" sz="2800" dirty="0" smtClean="0"/>
               <a:t>Caching</a:t>
             </a:r>
-            <a:endParaRPr lang="en-US" dirty="0"/>
+            <a:endParaRPr lang="en-US" sz="2800" dirty="0"/>
           </a:p>
           <a:p>
             <a:pPr marL="914400" lvl="1" indent="-457200">
@@ -5309,10 +6178,10 @@
               <a:buAutoNum type="arabicPeriod"/>
             </a:pPr>
             <a:r>
-              <a:rPr lang="en-US" dirty="0" smtClean="0"/>
+              <a:rPr lang="en-US" sz="2800" dirty="0" smtClean="0"/>
               <a:t>User Experience</a:t>
             </a:r>
-            <a:endParaRPr lang="en-US" dirty="0"/>
+            <a:endParaRPr lang="en-US" sz="2800" dirty="0"/>
           </a:p>
           <a:p>
             <a:pPr marL="914400" lvl="1" indent="-457200">
@@ -5320,10 +6189,10 @@
               <a:buAutoNum type="arabicPeriod"/>
             </a:pPr>
             <a:r>
-              <a:rPr lang="en-US" dirty="0" smtClean="0"/>
+              <a:rPr lang="en-US" sz="2800" dirty="0" smtClean="0"/>
               <a:t>Flexibility</a:t>
             </a:r>
-            <a:endParaRPr lang="en-US" dirty="0"/>
+            <a:endParaRPr lang="en-US" sz="2800" dirty="0"/>
           </a:p>
           <a:p>
             <a:pPr marL="914400" lvl="1" indent="-457200">
@@ -5331,7 +6200,7 @@
               <a:buAutoNum type="arabicPeriod"/>
             </a:pPr>
             <a:r>
-              <a:rPr lang="en-US" dirty="0" smtClean="0"/>
+              <a:rPr lang="en-US" sz="2800" dirty="0" smtClean="0"/>
               <a:t>Reduced Latency</a:t>
             </a:r>
           </a:p>
@@ -5341,10 +6210,10 @@
               <a:buAutoNum type="arabicPeriod"/>
             </a:pPr>
             <a:r>
-              <a:rPr lang="en-US" dirty="0" smtClean="0"/>
+              <a:rPr lang="en-US" sz="2800" dirty="0" smtClean="0"/>
               <a:t>Uniformity</a:t>
             </a:r>
-            <a:endParaRPr lang="en-US" dirty="0"/>
+            <a:endParaRPr lang="en-US" sz="2800" dirty="0"/>
           </a:p>
           <a:p>
             <a:endParaRPr lang="en-US" dirty="0"/>
@@ -5449,8 +6318,12 @@
               <a:t>			</a:t>
             </a:r>
             <a:r>
+              <a:rPr lang="en-US" sz="4400" dirty="0" smtClean="0"/>
+              <a:t>Conclusion</a:t>
+            </a:r>
+            <a:r>
               <a:rPr lang="en-US" sz="4800" dirty="0" smtClean="0"/>
-              <a:t>Conclusion !</a:t>
+              <a:t> </a:t>
             </a:r>
             <a:endParaRPr lang="en-US" sz="4800" dirty="0"/>
           </a:p>
@@ -5508,6 +6381,7 @@
           <a:bodyPr/>
           <a:lstStyle/>
           <a:p>
+            <a:pPr algn="ctr"/>
             <a:r>
               <a:rPr lang="en-US" dirty="0" smtClean="0"/>
               <a:t>INTRODUCTION</a:t>
@@ -5534,7 +6408,23 @@
             <a:pPr marL="571500" indent="-571500"/>
             <a:r>
               <a:rPr lang="en-US" dirty="0"/>
-              <a:t>What are server side “frameworks”?</a:t>
+              <a:t>What are </a:t>
+            </a:r>
+            <a:r>
+              <a:rPr lang="en-US" dirty="0" smtClean="0"/>
+              <a:t>server </a:t>
+            </a:r>
+            <a:r>
+              <a:rPr lang="en-US" dirty="0"/>
+              <a:t>side </a:t>
+            </a:r>
+            <a:r>
+              <a:rPr lang="en-US" dirty="0" smtClean="0"/>
+              <a:t>frameworks?</a:t>
+            </a:r>
+            <a:r>
+              <a:rPr lang="en-US" dirty="0"/>
+              <a:t/>
             </a:r>
             <a:br>
               <a:rPr lang="en-US" dirty="0"/>
@@ -5547,8 +6437,20 @@
           <a:p>
             <a:pPr marL="571500" indent="-571500"/>
             <a:r>
+              <a:rPr lang="en-US" dirty="0" smtClean="0"/>
+              <a:t>Don’t </a:t>
+            </a:r>
+            <a:r>
               <a:rPr lang="en-US" dirty="0"/>
-              <a:t>“Don’t call us, we’ll call you”</a:t>
+              <a:t>call us, we’ll call </a:t>
+            </a:r>
+            <a:r>
+              <a:rPr lang="en-US" dirty="0" smtClean="0"/>
+              <a:t>you</a:t>
+            </a:r>
+            <a:r>
+              <a:rPr lang="en-US" dirty="0"/>
+              <a:t/>
             </a:r>
             <a:br>
               <a:rPr lang="en-US" dirty="0"/>
@@ -5568,12 +6470,16 @@
           <a:p>
             <a:pPr marL="571500" indent="-571500"/>
             <a:r>
+              <a:rPr lang="en-US" dirty="0" smtClean="0"/>
+              <a:t>A </a:t>
+            </a:r>
+            <a:r>
               <a:rPr lang="en-US" dirty="0"/>
-              <a:t>“A good framework provides best practices and helps set industry standards</a:t>
+              <a:t>good framework provides best practices and helps set industry standards</a:t>
             </a:r>
             <a:r>
               <a:rPr lang="en-US" dirty="0" smtClean="0"/>
-              <a:t>.”</a:t>
+              <a:t>.</a:t>
             </a:r>
             <a:r>
               <a:rPr lang="en-US" dirty="0"/>
@@ -5634,6 +6540,7 @@
           <a:bodyPr/>
           <a:lstStyle/>
           <a:p>
+            <a:pPr algn="ctr"/>
             <a:r>
               <a:rPr lang="en-US" dirty="0" smtClean="0"/>
               <a:t>POPULARITY</a:t>
@@ -6096,6 +7003,7 @@
           <a:bodyPr/>
           <a:lstStyle/>
           <a:p>
+            <a:pPr algn="ctr"/>
             <a:r>
               <a:rPr lang="en-US" dirty="0" smtClean="0"/>
               <a:t>PERFORMANCE</a:t>
@@ -6158,7 +7066,7 @@
               <a:buNone/>
             </a:pPr>
             <a:r>
-              <a:rPr lang="en-US" b="1" dirty="0"/>
+              <a:rPr lang="en-US" sz="2800" b="1" dirty="0"/>
               <a:t>JSON serialization</a:t>
             </a:r>
           </a:p>
@@ -6191,36 +7099,472 @@
           </a:p>
         </p:txBody>
       </p:sp>
-      <p:pic>
-        <p:nvPicPr>
-          <p:cNvPr id="5" name="Picture 4"/>
-          <p:cNvPicPr>
-            <a:picLocks noChangeAspect="1"/>
-          </p:cNvPicPr>
-          <p:nvPr/>
-        </p:nvPicPr>
-        <p:blipFill>
-          <a:blip r:embed="rId3">
-            <a:extLst>
-              <a:ext uri="{28A0092B-C50C-407E-A947-70E740481C1C}">
-                <a14:useLocalDpi xmlns:a14="http://schemas.microsoft.com/office/drawing/2010/main" val="0"/>
-              </a:ext>
-            </a:extLst>
-          </a:blip>
-          <a:stretch>
-            <a:fillRect/>
-          </a:stretch>
-        </p:blipFill>
-        <p:spPr>
-          <a:xfrm>
-            <a:off x="1160586" y="3880338"/>
-            <a:ext cx="5943600" cy="1957754"/>
-          </a:xfrm>
-          <a:prstGeom prst="rect">
-            <a:avLst/>
-          </a:prstGeom>
-        </p:spPr>
-      </p:pic>
+      <p:graphicFrame>
+        <p:nvGraphicFramePr>
+          <p:cNvPr id="7" name="Table 6"/>
+          <p:cNvGraphicFramePr>
+            <a:graphicFrameLocks noGrp="1"/>
+          </p:cNvGraphicFramePr>
+          <p:nvPr>
+            <p:extLst>
+              <p:ext uri="{D42A27DB-BD31-4B8C-83A1-F6EECF244321}">
+                <p14:modId xmlns:p14="http://schemas.microsoft.com/office/powerpoint/2010/main" val="1269737849"/>
+              </p:ext>
+            </p:extLst>
+          </p:nvPr>
+        </p:nvGraphicFramePr>
+        <p:xfrm>
+          <a:off x="1397487" y="3826413"/>
+          <a:ext cx="7324482" cy="1983543"/>
+        </p:xfrm>
+        <a:graphic>
+          <a:graphicData uri="http://schemas.openxmlformats.org/drawingml/2006/table">
+            <a:tbl>
+              <a:tblPr firstRow="1" firstCol="1" bandRow="1">
+                <a:tableStyleId>{5C22544A-7EE6-4342-B048-85BDC9FD1C3A}</a:tableStyleId>
+              </a:tblPr>
+              <a:tblGrid>
+                <a:gridCol w="3650571"/>
+                <a:gridCol w="3673911"/>
+              </a:tblGrid>
+              <a:tr h="431821">
+                <a:tc>
+                  <a:txBody>
+                    <a:bodyPr/>
+                    <a:lstStyle/>
+                    <a:p>
+                      <a:pPr marL="0" marR="0">
+                        <a:lnSpc>
+                          <a:spcPct val="107000"/>
+                        </a:lnSpc>
+                        <a:spcBef>
+                          <a:spcPts val="0"/>
+                        </a:spcBef>
+                        <a:spcAft>
+                          <a:spcPts val="0"/>
+                        </a:spcAft>
+                      </a:pPr>
+                      <a:r>
+                        <a:rPr lang="en-US" sz="1800" dirty="0">
+                          <a:effectLst/>
+                        </a:rPr>
+                        <a:t>Framework</a:t>
+                      </a:r>
+                      <a:endParaRPr lang="en-US" sz="1800" dirty="0">
+                        <a:effectLst/>
+                        <a:latin typeface="Calibri" panose="020F0502020204030204" pitchFamily="34" charset="0"/>
+                        <a:ea typeface="Calibri" panose="020F0502020204030204" pitchFamily="34" charset="0"/>
+                        <a:cs typeface="Times New Roman" panose="02020603050405020304" pitchFamily="18" charset="0"/>
+                      </a:endParaRPr>
+                    </a:p>
+                  </a:txBody>
+                  <a:tcPr marL="68580" marR="68580" marT="0" marB="0"/>
+                </a:tc>
+                <a:tc>
+                  <a:txBody>
+                    <a:bodyPr/>
+                    <a:lstStyle/>
+                    <a:p>
+                      <a:pPr marL="0" marR="0">
+                        <a:lnSpc>
+                          <a:spcPct val="107000"/>
+                        </a:lnSpc>
+                        <a:spcBef>
+                          <a:spcPts val="0"/>
+                        </a:spcBef>
+                        <a:spcAft>
+                          <a:spcPts val="0"/>
+                        </a:spcAft>
+                      </a:pPr>
+                      <a:r>
+                        <a:rPr lang="en-US" sz="1800" dirty="0">
+                          <a:effectLst/>
+                        </a:rPr>
+                        <a:t>Best performance (higher </a:t>
+                      </a:r>
+                      <a:r>
+                        <a:rPr lang="en-US" sz="1800" dirty="0" smtClean="0">
+                          <a:effectLst/>
+                        </a:rPr>
+                        <a:t>is</a:t>
+                      </a:r>
+                      <a:r>
+                        <a:rPr lang="en-US" sz="1800" baseline="0" dirty="0" smtClean="0">
+                          <a:effectLst/>
+                        </a:rPr>
+                        <a:t> </a:t>
+                      </a:r>
+                      <a:r>
+                        <a:rPr lang="en-US" sz="1800" dirty="0" smtClean="0">
+                          <a:effectLst/>
+                        </a:rPr>
+                        <a:t>better</a:t>
+                      </a:r>
+                      <a:r>
+                        <a:rPr lang="en-US" sz="1800" dirty="0">
+                          <a:effectLst/>
+                        </a:rPr>
+                        <a:t>)</a:t>
+                      </a:r>
+                      <a:endParaRPr lang="en-US" sz="1800" dirty="0">
+                        <a:effectLst/>
+                        <a:latin typeface="Calibri" panose="020F0502020204030204" pitchFamily="34" charset="0"/>
+                        <a:ea typeface="Calibri" panose="020F0502020204030204" pitchFamily="34" charset="0"/>
+                        <a:cs typeface="Times New Roman" panose="02020603050405020304" pitchFamily="18" charset="0"/>
+                      </a:endParaRPr>
+                    </a:p>
+                  </a:txBody>
+                  <a:tcPr marL="68580" marR="68580" marT="0" marB="0"/>
+                </a:tc>
+              </a:tr>
+              <a:tr h="382267">
+                <a:tc>
+                  <a:txBody>
+                    <a:bodyPr/>
+                    <a:lstStyle/>
+                    <a:p>
+                      <a:pPr marL="0" marR="0">
+                        <a:lnSpc>
+                          <a:spcPct val="107000"/>
+                        </a:lnSpc>
+                        <a:spcBef>
+                          <a:spcPts val="0"/>
+                        </a:spcBef>
+                        <a:spcAft>
+                          <a:spcPts val="0"/>
+                        </a:spcAft>
+                      </a:pPr>
+                      <a:r>
+                        <a:rPr lang="en-US" sz="1800" dirty="0">
+                          <a:solidFill>
+                            <a:schemeClr val="tx1"/>
+                          </a:solidFill>
+                          <a:effectLst/>
+                        </a:rPr>
+                        <a:t>Spring</a:t>
+                      </a:r>
+                      <a:endParaRPr lang="en-US" sz="1800" dirty="0">
+                        <a:solidFill>
+                          <a:schemeClr val="tx1"/>
+                        </a:solidFill>
+                        <a:effectLst/>
+                        <a:latin typeface="Calibri" panose="020F0502020204030204" pitchFamily="34" charset="0"/>
+                        <a:ea typeface="Calibri" panose="020F0502020204030204" pitchFamily="34" charset="0"/>
+                        <a:cs typeface="Times New Roman" panose="02020603050405020304" pitchFamily="18" charset="0"/>
+                      </a:endParaRPr>
+                    </a:p>
+                  </a:txBody>
+                  <a:tcPr marL="68580" marR="68580" marT="0" marB="0">
+                    <a:solidFill>
+                      <a:schemeClr val="tx2">
+                        <a:lumMod val="20000"/>
+                        <a:lumOff val="80000"/>
+                      </a:schemeClr>
+                    </a:solidFill>
+                  </a:tcPr>
+                </a:tc>
+                <a:tc>
+                  <a:txBody>
+                    <a:bodyPr/>
+                    <a:lstStyle/>
+                    <a:p>
+                      <a:pPr marL="0" marR="0">
+                        <a:lnSpc>
+                          <a:spcPct val="107000"/>
+                        </a:lnSpc>
+                        <a:spcBef>
+                          <a:spcPts val="0"/>
+                        </a:spcBef>
+                        <a:spcAft>
+                          <a:spcPts val="0"/>
+                        </a:spcAft>
+                      </a:pPr>
+                      <a:r>
+                        <a:rPr lang="en-US" sz="1800" dirty="0">
+                          <a:effectLst/>
+                        </a:rPr>
+                        <a:t>97,354</a:t>
+                      </a:r>
+                      <a:endParaRPr lang="en-US" sz="1800" dirty="0">
+                        <a:effectLst/>
+                        <a:latin typeface="Calibri" panose="020F0502020204030204" pitchFamily="34" charset="0"/>
+                        <a:ea typeface="Calibri" panose="020F0502020204030204" pitchFamily="34" charset="0"/>
+                        <a:cs typeface="Times New Roman" panose="02020603050405020304" pitchFamily="18" charset="0"/>
+                      </a:endParaRPr>
+                    </a:p>
+                  </a:txBody>
+                  <a:tcPr marL="68580" marR="68580" marT="0" marB="0">
+                    <a:solidFill>
+                      <a:schemeClr val="tx2">
+                        <a:lumMod val="20000"/>
+                        <a:lumOff val="80000"/>
+                      </a:schemeClr>
+                    </a:solidFill>
+                  </a:tcPr>
+                </a:tc>
+              </a:tr>
+              <a:tr h="382267">
+                <a:tc>
+                  <a:txBody>
+                    <a:bodyPr/>
+                    <a:lstStyle/>
+                    <a:p>
+                      <a:pPr marL="0" marR="0">
+                        <a:lnSpc>
+                          <a:spcPct val="107000"/>
+                        </a:lnSpc>
+                        <a:spcBef>
+                          <a:spcPts val="0"/>
+                        </a:spcBef>
+                        <a:spcAft>
+                          <a:spcPts val="0"/>
+                        </a:spcAft>
+                      </a:pPr>
+                      <a:r>
+                        <a:rPr lang="en-US" sz="1800" dirty="0">
+                          <a:solidFill>
+                            <a:schemeClr val="tx1"/>
+                          </a:solidFill>
+                          <a:effectLst/>
+                        </a:rPr>
+                        <a:t>Grails</a:t>
+                      </a:r>
+                      <a:endParaRPr lang="en-US" sz="1800" dirty="0">
+                        <a:solidFill>
+                          <a:schemeClr val="tx1"/>
+                        </a:solidFill>
+                        <a:effectLst/>
+                        <a:latin typeface="Calibri" panose="020F0502020204030204" pitchFamily="34" charset="0"/>
+                        <a:ea typeface="Calibri" panose="020F0502020204030204" pitchFamily="34" charset="0"/>
+                        <a:cs typeface="Times New Roman" panose="02020603050405020304" pitchFamily="18" charset="0"/>
+                      </a:endParaRPr>
+                    </a:p>
+                  </a:txBody>
+                  <a:tcPr marL="68580" marR="68580" marT="0" marB="0">
+                    <a:solidFill>
+                      <a:schemeClr val="tx2">
+                        <a:lumMod val="20000"/>
+                        <a:lumOff val="80000"/>
+                      </a:schemeClr>
+                    </a:solidFill>
+                  </a:tcPr>
+                </a:tc>
+                <a:tc>
+                  <a:txBody>
+                    <a:bodyPr/>
+                    <a:lstStyle/>
+                    <a:p>
+                      <a:pPr marL="0" marR="0">
+                        <a:lnSpc>
+                          <a:spcPct val="107000"/>
+                        </a:lnSpc>
+                        <a:spcBef>
+                          <a:spcPts val="0"/>
+                        </a:spcBef>
+                        <a:spcAft>
+                          <a:spcPts val="0"/>
+                        </a:spcAft>
+                      </a:pPr>
+                      <a:r>
+                        <a:rPr lang="en-US" sz="1800" dirty="0">
+                          <a:effectLst/>
+                        </a:rPr>
+                        <a:t>81,388</a:t>
+                      </a:r>
+                      <a:endParaRPr lang="en-US" sz="1800" dirty="0">
+                        <a:effectLst/>
+                        <a:latin typeface="Calibri" panose="020F0502020204030204" pitchFamily="34" charset="0"/>
+                        <a:ea typeface="Calibri" panose="020F0502020204030204" pitchFamily="34" charset="0"/>
+                        <a:cs typeface="Times New Roman" panose="02020603050405020304" pitchFamily="18" charset="0"/>
+                      </a:endParaRPr>
+                    </a:p>
+                  </a:txBody>
+                  <a:tcPr marL="68580" marR="68580" marT="0" marB="0">
+                    <a:solidFill>
+                      <a:schemeClr val="tx2">
+                        <a:lumMod val="20000"/>
+                        <a:lumOff val="80000"/>
+                      </a:schemeClr>
+                    </a:solidFill>
+                  </a:tcPr>
+                </a:tc>
+              </a:tr>
+              <a:tr h="393594">
+                <a:tc>
+                  <a:txBody>
+                    <a:bodyPr/>
+                    <a:lstStyle/>
+                    <a:p>
+                      <a:pPr marL="0" marR="0">
+                        <a:lnSpc>
+                          <a:spcPct val="107000"/>
+                        </a:lnSpc>
+                        <a:spcBef>
+                          <a:spcPts val="0"/>
+                        </a:spcBef>
+                        <a:spcAft>
+                          <a:spcPts val="0"/>
+                        </a:spcAft>
+                      </a:pPr>
+                      <a:r>
+                        <a:rPr lang="en-US" sz="1800" dirty="0">
+                          <a:solidFill>
+                            <a:schemeClr val="tx1"/>
+                          </a:solidFill>
+                          <a:effectLst/>
+                        </a:rPr>
+                        <a:t>Django</a:t>
+                      </a:r>
+                      <a:endParaRPr lang="en-US" sz="1800" dirty="0">
+                        <a:solidFill>
+                          <a:schemeClr val="tx1"/>
+                        </a:solidFill>
+                        <a:effectLst/>
+                        <a:latin typeface="Calibri" panose="020F0502020204030204" pitchFamily="34" charset="0"/>
+                        <a:ea typeface="Calibri" panose="020F0502020204030204" pitchFamily="34" charset="0"/>
+                        <a:cs typeface="Times New Roman" panose="02020603050405020304" pitchFamily="18" charset="0"/>
+                      </a:endParaRPr>
+                    </a:p>
+                  </a:txBody>
+                  <a:tcPr marL="68580" marR="68580" marT="0" marB="0">
+                    <a:solidFill>
+                      <a:schemeClr val="tx2">
+                        <a:lumMod val="20000"/>
+                        <a:lumOff val="80000"/>
+                      </a:schemeClr>
+                    </a:solidFill>
+                  </a:tcPr>
+                </a:tc>
+                <a:tc>
+                  <a:txBody>
+                    <a:bodyPr/>
+                    <a:lstStyle/>
+                    <a:p>
+                      <a:pPr marL="0" marR="0">
+                        <a:lnSpc>
+                          <a:spcPct val="107000"/>
+                        </a:lnSpc>
+                        <a:spcBef>
+                          <a:spcPts val="0"/>
+                        </a:spcBef>
+                        <a:spcAft>
+                          <a:spcPts val="0"/>
+                        </a:spcAft>
+                      </a:pPr>
+                      <a:r>
+                        <a:rPr lang="en-US" sz="1800" dirty="0">
+                          <a:effectLst/>
+                        </a:rPr>
+                        <a:t>11,064</a:t>
+                      </a:r>
+                      <a:endParaRPr lang="en-US" sz="1800" dirty="0">
+                        <a:effectLst/>
+                        <a:latin typeface="Calibri" panose="020F0502020204030204" pitchFamily="34" charset="0"/>
+                        <a:ea typeface="Calibri" panose="020F0502020204030204" pitchFamily="34" charset="0"/>
+                        <a:cs typeface="Times New Roman" panose="02020603050405020304" pitchFamily="18" charset="0"/>
+                      </a:endParaRPr>
+                    </a:p>
+                  </a:txBody>
+                  <a:tcPr marL="68580" marR="68580" marT="0" marB="0">
+                    <a:solidFill>
+                      <a:schemeClr val="tx2">
+                        <a:lumMod val="20000"/>
+                        <a:lumOff val="80000"/>
+                      </a:schemeClr>
+                    </a:solidFill>
+                  </a:tcPr>
+                </a:tc>
+              </a:tr>
+              <a:tr h="393594">
+                <a:tc>
+                  <a:txBody>
+                    <a:bodyPr/>
+                    <a:lstStyle/>
+                    <a:p>
+                      <a:pPr marL="0" marR="0">
+                        <a:lnSpc>
+                          <a:spcPct val="107000"/>
+                        </a:lnSpc>
+                        <a:spcBef>
+                          <a:spcPts val="0"/>
+                        </a:spcBef>
+                        <a:spcAft>
+                          <a:spcPts val="0"/>
+                        </a:spcAft>
+                      </a:pPr>
+                      <a:r>
+                        <a:rPr lang="en-US" sz="1800" dirty="0">
+                          <a:solidFill>
+                            <a:schemeClr val="tx1"/>
+                          </a:solidFill>
+                          <a:effectLst/>
+                        </a:rPr>
+                        <a:t>Trinidad Rails</a:t>
+                      </a:r>
+                      <a:endParaRPr lang="en-US" sz="1800" dirty="0">
+                        <a:solidFill>
+                          <a:schemeClr val="tx1"/>
+                        </a:solidFill>
+                        <a:effectLst/>
+                        <a:latin typeface="Calibri" panose="020F0502020204030204" pitchFamily="34" charset="0"/>
+                        <a:ea typeface="Calibri" panose="020F0502020204030204" pitchFamily="34" charset="0"/>
+                        <a:cs typeface="Times New Roman" panose="02020603050405020304" pitchFamily="18" charset="0"/>
+                      </a:endParaRPr>
+                    </a:p>
+                  </a:txBody>
+                  <a:tcPr marL="68580" marR="68580" marT="0" marB="0">
+                    <a:solidFill>
+                      <a:schemeClr val="tx2">
+                        <a:lumMod val="20000"/>
+                        <a:lumOff val="80000"/>
+                      </a:schemeClr>
+                    </a:solidFill>
+                  </a:tcPr>
+                </a:tc>
+                <a:tc>
+                  <a:txBody>
+                    <a:bodyPr/>
+                    <a:lstStyle/>
+                    <a:p>
+                      <a:pPr marL="0" marR="0">
+                        <a:lnSpc>
+                          <a:spcPct val="107000"/>
+                        </a:lnSpc>
+                        <a:spcBef>
+                          <a:spcPts val="0"/>
+                        </a:spcBef>
+                        <a:spcAft>
+                          <a:spcPts val="0"/>
+                        </a:spcAft>
+                      </a:pPr>
+                      <a:r>
+                        <a:rPr lang="en-US" sz="1800" dirty="0">
+                          <a:effectLst/>
+                        </a:rPr>
+                        <a:t>2,377</a:t>
+                      </a:r>
+                      <a:endParaRPr lang="en-US" sz="1800" dirty="0">
+                        <a:effectLst/>
+                        <a:latin typeface="Calibri" panose="020F0502020204030204" pitchFamily="34" charset="0"/>
+                        <a:ea typeface="Calibri" panose="020F0502020204030204" pitchFamily="34" charset="0"/>
+                        <a:cs typeface="Times New Roman" panose="02020603050405020304" pitchFamily="18" charset="0"/>
+                      </a:endParaRPr>
+                    </a:p>
+                  </a:txBody>
+                  <a:tcPr marL="68580" marR="68580" marT="0" marB="0">
+                    <a:solidFill>
+                      <a:schemeClr val="tx2">
+                        <a:lumMod val="20000"/>
+                        <a:lumOff val="80000"/>
+                      </a:schemeClr>
+                    </a:solidFill>
+                  </a:tcPr>
+                </a:tc>
+              </a:tr>
+            </a:tbl>
+          </a:graphicData>
+        </a:graphic>
+      </p:graphicFrame>
     </p:spTree>
     <p:extLst>
       <p:ext uri="{BB962C8B-B14F-4D97-AF65-F5344CB8AC3E}">
@@ -6289,7 +7633,7 @@
         </p:nvSpPr>
         <p:spPr>
           <a:xfrm>
-            <a:off x="712694" y="1690688"/>
+            <a:off x="838200" y="1212387"/>
             <a:ext cx="10515600" cy="4351338"/>
           </a:xfrm>
         </p:spPr>
@@ -6313,36 +7657,6 @@
           </a:p>
         </p:txBody>
       </p:sp>
-      <p:pic>
-        <p:nvPicPr>
-          <p:cNvPr id="5" name="Picture 4"/>
-          <p:cNvPicPr>
-            <a:picLocks noChangeAspect="1"/>
-          </p:cNvPicPr>
-          <p:nvPr/>
-        </p:nvPicPr>
-        <p:blipFill>
-          <a:blip r:embed="rId2">
-            <a:extLst>
-              <a:ext uri="{28A0092B-C50C-407E-A947-70E740481C1C}">
-                <a14:useLocalDpi xmlns:a14="http://schemas.microsoft.com/office/drawing/2010/main" val="0"/>
-              </a:ext>
-            </a:extLst>
-          </a:blip>
-          <a:stretch>
-            <a:fillRect/>
-          </a:stretch>
-        </p:blipFill>
-        <p:spPr>
-          <a:xfrm>
-            <a:off x="1052731" y="2136569"/>
-            <a:ext cx="5796305" cy="1759364"/>
-          </a:xfrm>
-          <a:prstGeom prst="rect">
-            <a:avLst/>
-          </a:prstGeom>
-        </p:spPr>
-      </p:pic>
       <p:sp>
         <p:nvSpPr>
           <p:cNvPr id="6" name="Rectangle 5"/>
@@ -6351,7 +7665,7 @@
         </p:nvSpPr>
         <p:spPr>
           <a:xfrm>
-            <a:off x="838200" y="3880900"/>
+            <a:off x="838200" y="3613614"/>
             <a:ext cx="2985113" cy="523220"/>
           </a:xfrm>
           <a:prstGeom prst="rect">
@@ -6375,36 +7689,890 @@
           </a:p>
         </p:txBody>
       </p:sp>
-      <p:pic>
-        <p:nvPicPr>
-          <p:cNvPr id="7" name="Picture 6"/>
-          <p:cNvPicPr>
-            <a:picLocks noChangeAspect="1"/>
-          </p:cNvPicPr>
-          <p:nvPr/>
-        </p:nvPicPr>
-        <p:blipFill>
-          <a:blip r:embed="rId3">
-            <a:extLst>
-              <a:ext uri="{28A0092B-C50C-407E-A947-70E740481C1C}">
-                <a14:useLocalDpi xmlns:a14="http://schemas.microsoft.com/office/drawing/2010/main" val="0"/>
-              </a:ext>
-            </a:extLst>
-          </a:blip>
-          <a:stretch>
-            <a:fillRect/>
-          </a:stretch>
-        </p:blipFill>
-        <p:spPr>
-          <a:xfrm>
-            <a:off x="1052732" y="4541180"/>
-            <a:ext cx="5939740" cy="1544965"/>
-          </a:xfrm>
-          <a:prstGeom prst="rect">
-            <a:avLst/>
-          </a:prstGeom>
-        </p:spPr>
-      </p:pic>
+      <p:graphicFrame>
+        <p:nvGraphicFramePr>
+          <p:cNvPr id="4" name="Table 3"/>
+          <p:cNvGraphicFramePr>
+            <a:graphicFrameLocks noGrp="1"/>
+          </p:cNvGraphicFramePr>
+          <p:nvPr>
+            <p:extLst>
+              <p:ext uri="{D42A27DB-BD31-4B8C-83A1-F6EECF244321}">
+                <p14:modId xmlns:p14="http://schemas.microsoft.com/office/powerpoint/2010/main" val="2519685400"/>
+              </p:ext>
+            </p:extLst>
+          </p:nvPr>
+        </p:nvGraphicFramePr>
+        <p:xfrm>
+          <a:off x="1123070" y="1722025"/>
+          <a:ext cx="7289410" cy="1631850"/>
+        </p:xfrm>
+        <a:graphic>
+          <a:graphicData uri="http://schemas.openxmlformats.org/drawingml/2006/table">
+            <a:tbl>
+              <a:tblPr firstRow="1" firstCol="1" bandRow="1">
+                <a:tableStyleId>{5C22544A-7EE6-4342-B048-85BDC9FD1C3A}</a:tableStyleId>
+              </a:tblPr>
+              <a:tblGrid>
+                <a:gridCol w="3633091"/>
+                <a:gridCol w="3656319"/>
+              </a:tblGrid>
+              <a:tr h="355256">
+                <a:tc>
+                  <a:txBody>
+                    <a:bodyPr/>
+                    <a:lstStyle/>
+                    <a:p>
+                      <a:pPr marL="0" marR="0">
+                        <a:lnSpc>
+                          <a:spcPct val="107000"/>
+                        </a:lnSpc>
+                        <a:spcBef>
+                          <a:spcPts val="0"/>
+                        </a:spcBef>
+                        <a:spcAft>
+                          <a:spcPts val="0"/>
+                        </a:spcAft>
+                      </a:pPr>
+                      <a:r>
+                        <a:rPr lang="en-US" sz="1800" dirty="0">
+                          <a:effectLst/>
+                        </a:rPr>
+                        <a:t>Framework</a:t>
+                      </a:r>
+                      <a:endParaRPr lang="en-US" sz="1800" dirty="0">
+                        <a:effectLst/>
+                        <a:latin typeface="Calibri" panose="020F0502020204030204" pitchFamily="34" charset="0"/>
+                        <a:ea typeface="Calibri" panose="020F0502020204030204" pitchFamily="34" charset="0"/>
+                        <a:cs typeface="Times New Roman" panose="02020603050405020304" pitchFamily="18" charset="0"/>
+                      </a:endParaRPr>
+                    </a:p>
+                  </a:txBody>
+                  <a:tcPr marL="68580" marR="68580" marT="0" marB="0"/>
+                </a:tc>
+                <a:tc>
+                  <a:txBody>
+                    <a:bodyPr/>
+                    <a:lstStyle/>
+                    <a:p>
+                      <a:pPr marL="0" marR="0">
+                        <a:lnSpc>
+                          <a:spcPct val="107000"/>
+                        </a:lnSpc>
+                        <a:spcBef>
+                          <a:spcPts val="0"/>
+                        </a:spcBef>
+                        <a:spcAft>
+                          <a:spcPts val="0"/>
+                        </a:spcAft>
+                      </a:pPr>
+                      <a:r>
+                        <a:rPr lang="en-US" sz="1800" dirty="0">
+                          <a:effectLst/>
+                        </a:rPr>
+                        <a:t>Best performance (higher is better)</a:t>
+                      </a:r>
+                      <a:endParaRPr lang="en-US" sz="1800" dirty="0">
+                        <a:effectLst/>
+                        <a:latin typeface="Calibri" panose="020F0502020204030204" pitchFamily="34" charset="0"/>
+                        <a:ea typeface="Calibri" panose="020F0502020204030204" pitchFamily="34" charset="0"/>
+                        <a:cs typeface="Times New Roman" panose="02020603050405020304" pitchFamily="18" charset="0"/>
+                      </a:endParaRPr>
+                    </a:p>
+                  </a:txBody>
+                  <a:tcPr marL="68580" marR="68580" marT="0" marB="0"/>
+                </a:tc>
+              </a:tr>
+              <a:tr h="314489">
+                <a:tc>
+                  <a:txBody>
+                    <a:bodyPr/>
+                    <a:lstStyle/>
+                    <a:p>
+                      <a:pPr marL="0" marR="0">
+                        <a:lnSpc>
+                          <a:spcPct val="107000"/>
+                        </a:lnSpc>
+                        <a:spcBef>
+                          <a:spcPts val="0"/>
+                        </a:spcBef>
+                        <a:spcAft>
+                          <a:spcPts val="0"/>
+                        </a:spcAft>
+                      </a:pPr>
+                      <a:r>
+                        <a:rPr lang="en-US" sz="1800" baseline="0" dirty="0">
+                          <a:solidFill>
+                            <a:schemeClr val="tx1"/>
+                          </a:solidFill>
+                          <a:effectLst/>
+                        </a:rPr>
+                        <a:t>Grails </a:t>
+                      </a:r>
+                      <a:endParaRPr lang="en-US" sz="1800" baseline="0" dirty="0">
+                        <a:solidFill>
+                          <a:schemeClr val="tx1"/>
+                        </a:solidFill>
+                        <a:effectLst/>
+                        <a:latin typeface="Calibri" panose="020F0502020204030204" pitchFamily="34" charset="0"/>
+                        <a:ea typeface="Calibri" panose="020F0502020204030204" pitchFamily="34" charset="0"/>
+                        <a:cs typeface="Times New Roman" panose="02020603050405020304" pitchFamily="18" charset="0"/>
+                      </a:endParaRPr>
+                    </a:p>
+                  </a:txBody>
+                  <a:tcPr marL="68580" marR="68580" marT="0" marB="0">
+                    <a:solidFill>
+                      <a:schemeClr val="tx2">
+                        <a:lumMod val="20000"/>
+                        <a:lumOff val="80000"/>
+                      </a:schemeClr>
+                    </a:solidFill>
+                  </a:tcPr>
+                </a:tc>
+                <a:tc>
+                  <a:txBody>
+                    <a:bodyPr/>
+                    <a:lstStyle/>
+                    <a:p>
+                      <a:pPr marL="0" marR="0">
+                        <a:lnSpc>
+                          <a:spcPct val="107000"/>
+                        </a:lnSpc>
+                        <a:spcBef>
+                          <a:spcPts val="0"/>
+                        </a:spcBef>
+                        <a:spcAft>
+                          <a:spcPts val="0"/>
+                        </a:spcAft>
+                      </a:pPr>
+                      <a:r>
+                        <a:rPr lang="en-US" sz="1800" dirty="0">
+                          <a:effectLst/>
+                        </a:rPr>
+                        <a:t>60,521</a:t>
+                      </a:r>
+                      <a:endParaRPr lang="en-US" sz="1800" dirty="0">
+                        <a:effectLst/>
+                        <a:latin typeface="Calibri" panose="020F0502020204030204" pitchFamily="34" charset="0"/>
+                        <a:ea typeface="Calibri" panose="020F0502020204030204" pitchFamily="34" charset="0"/>
+                        <a:cs typeface="Times New Roman" panose="02020603050405020304" pitchFamily="18" charset="0"/>
+                      </a:endParaRPr>
+                    </a:p>
+                  </a:txBody>
+                  <a:tcPr marL="68580" marR="68580" marT="0" marB="0">
+                    <a:solidFill>
+                      <a:schemeClr val="tx2">
+                        <a:lumMod val="20000"/>
+                        <a:lumOff val="80000"/>
+                      </a:schemeClr>
+                    </a:solidFill>
+                  </a:tcPr>
+                </a:tc>
+              </a:tr>
+              <a:tr h="314489">
+                <a:tc>
+                  <a:txBody>
+                    <a:bodyPr/>
+                    <a:lstStyle/>
+                    <a:p>
+                      <a:pPr marL="0" marR="0">
+                        <a:lnSpc>
+                          <a:spcPct val="107000"/>
+                        </a:lnSpc>
+                        <a:spcBef>
+                          <a:spcPts val="0"/>
+                        </a:spcBef>
+                        <a:spcAft>
+                          <a:spcPts val="0"/>
+                        </a:spcAft>
+                      </a:pPr>
+                      <a:r>
+                        <a:rPr lang="en-US" sz="1800" baseline="0" dirty="0">
+                          <a:solidFill>
+                            <a:schemeClr val="tx1"/>
+                          </a:solidFill>
+                          <a:effectLst/>
+                        </a:rPr>
+                        <a:t>Spring</a:t>
+                      </a:r>
+                      <a:endParaRPr lang="en-US" sz="1800" baseline="0" dirty="0">
+                        <a:solidFill>
+                          <a:schemeClr val="tx1"/>
+                        </a:solidFill>
+                        <a:effectLst/>
+                        <a:latin typeface="Calibri" panose="020F0502020204030204" pitchFamily="34" charset="0"/>
+                        <a:ea typeface="Calibri" panose="020F0502020204030204" pitchFamily="34" charset="0"/>
+                        <a:cs typeface="Times New Roman" panose="02020603050405020304" pitchFamily="18" charset="0"/>
+                      </a:endParaRPr>
+                    </a:p>
+                  </a:txBody>
+                  <a:tcPr marL="68580" marR="68580" marT="0" marB="0">
+                    <a:solidFill>
+                      <a:schemeClr val="tx2">
+                        <a:lumMod val="20000"/>
+                        <a:lumOff val="80000"/>
+                      </a:schemeClr>
+                    </a:solidFill>
+                  </a:tcPr>
+                </a:tc>
+                <a:tc>
+                  <a:txBody>
+                    <a:bodyPr/>
+                    <a:lstStyle/>
+                    <a:p>
+                      <a:pPr marL="0" marR="0">
+                        <a:lnSpc>
+                          <a:spcPct val="107000"/>
+                        </a:lnSpc>
+                        <a:spcBef>
+                          <a:spcPts val="0"/>
+                        </a:spcBef>
+                        <a:spcAft>
+                          <a:spcPts val="0"/>
+                        </a:spcAft>
+                      </a:pPr>
+                      <a:r>
+                        <a:rPr lang="en-US" sz="1800" dirty="0">
+                          <a:effectLst/>
+                        </a:rPr>
+                        <a:t>55,291</a:t>
+                      </a:r>
+                      <a:endParaRPr lang="en-US" sz="1800" dirty="0">
+                        <a:effectLst/>
+                        <a:latin typeface="Calibri" panose="020F0502020204030204" pitchFamily="34" charset="0"/>
+                        <a:ea typeface="Calibri" panose="020F0502020204030204" pitchFamily="34" charset="0"/>
+                        <a:cs typeface="Times New Roman" panose="02020603050405020304" pitchFamily="18" charset="0"/>
+                      </a:endParaRPr>
+                    </a:p>
+                  </a:txBody>
+                  <a:tcPr marL="68580" marR="68580" marT="0" marB="0">
+                    <a:solidFill>
+                      <a:schemeClr val="tx2">
+                        <a:lumMod val="20000"/>
+                        <a:lumOff val="80000"/>
+                      </a:schemeClr>
+                    </a:solidFill>
+                  </a:tcPr>
+                </a:tc>
+              </a:tr>
+              <a:tr h="323808">
+                <a:tc>
+                  <a:txBody>
+                    <a:bodyPr/>
+                    <a:lstStyle/>
+                    <a:p>
+                      <a:pPr marL="0" marR="0">
+                        <a:lnSpc>
+                          <a:spcPct val="107000"/>
+                        </a:lnSpc>
+                        <a:spcBef>
+                          <a:spcPts val="0"/>
+                        </a:spcBef>
+                        <a:spcAft>
+                          <a:spcPts val="0"/>
+                        </a:spcAft>
+                      </a:pPr>
+                      <a:r>
+                        <a:rPr lang="en-US" sz="1800" baseline="0" dirty="0">
+                          <a:solidFill>
+                            <a:schemeClr val="tx1"/>
+                          </a:solidFill>
+                          <a:effectLst/>
+                        </a:rPr>
+                        <a:t>Django</a:t>
+                      </a:r>
+                      <a:endParaRPr lang="en-US" sz="1800" baseline="0" dirty="0">
+                        <a:solidFill>
+                          <a:schemeClr val="tx1"/>
+                        </a:solidFill>
+                        <a:effectLst/>
+                        <a:latin typeface="Calibri" panose="020F0502020204030204" pitchFamily="34" charset="0"/>
+                        <a:ea typeface="Calibri" panose="020F0502020204030204" pitchFamily="34" charset="0"/>
+                        <a:cs typeface="Times New Roman" panose="02020603050405020304" pitchFamily="18" charset="0"/>
+                      </a:endParaRPr>
+                    </a:p>
+                  </a:txBody>
+                  <a:tcPr marL="68580" marR="68580" marT="0" marB="0">
+                    <a:solidFill>
+                      <a:schemeClr val="tx2">
+                        <a:lumMod val="20000"/>
+                        <a:lumOff val="80000"/>
+                      </a:schemeClr>
+                    </a:solidFill>
+                  </a:tcPr>
+                </a:tc>
+                <a:tc>
+                  <a:txBody>
+                    <a:bodyPr/>
+                    <a:lstStyle/>
+                    <a:p>
+                      <a:pPr marL="0" marR="0">
+                        <a:lnSpc>
+                          <a:spcPct val="107000"/>
+                        </a:lnSpc>
+                        <a:spcBef>
+                          <a:spcPts val="0"/>
+                        </a:spcBef>
+                        <a:spcAft>
+                          <a:spcPts val="0"/>
+                        </a:spcAft>
+                      </a:pPr>
+                      <a:r>
+                        <a:rPr lang="en-US" sz="1800" dirty="0">
+                          <a:effectLst/>
+                        </a:rPr>
+                        <a:t>9,245</a:t>
+                      </a:r>
+                      <a:endParaRPr lang="en-US" sz="1800" dirty="0">
+                        <a:effectLst/>
+                        <a:latin typeface="Calibri" panose="020F0502020204030204" pitchFamily="34" charset="0"/>
+                        <a:ea typeface="Calibri" panose="020F0502020204030204" pitchFamily="34" charset="0"/>
+                        <a:cs typeface="Times New Roman" panose="02020603050405020304" pitchFamily="18" charset="0"/>
+                      </a:endParaRPr>
+                    </a:p>
+                  </a:txBody>
+                  <a:tcPr marL="68580" marR="68580" marT="0" marB="0">
+                    <a:solidFill>
+                      <a:schemeClr val="tx2">
+                        <a:lumMod val="20000"/>
+                        <a:lumOff val="80000"/>
+                      </a:schemeClr>
+                    </a:solidFill>
+                  </a:tcPr>
+                </a:tc>
+              </a:tr>
+              <a:tr h="323808">
+                <a:tc>
+                  <a:txBody>
+                    <a:bodyPr/>
+                    <a:lstStyle/>
+                    <a:p>
+                      <a:pPr marL="0" marR="0">
+                        <a:lnSpc>
+                          <a:spcPct val="107000"/>
+                        </a:lnSpc>
+                        <a:spcBef>
+                          <a:spcPts val="0"/>
+                        </a:spcBef>
+                        <a:spcAft>
+                          <a:spcPts val="0"/>
+                        </a:spcAft>
+                      </a:pPr>
+                      <a:r>
+                        <a:rPr lang="en-US" sz="1800" baseline="0" dirty="0">
+                          <a:solidFill>
+                            <a:schemeClr val="tx1"/>
+                          </a:solidFill>
+                          <a:effectLst/>
+                        </a:rPr>
+                        <a:t>Trinidad Rails</a:t>
+                      </a:r>
+                      <a:endParaRPr lang="en-US" sz="1800" baseline="0" dirty="0">
+                        <a:solidFill>
+                          <a:schemeClr val="tx1"/>
+                        </a:solidFill>
+                        <a:effectLst/>
+                        <a:latin typeface="Calibri" panose="020F0502020204030204" pitchFamily="34" charset="0"/>
+                        <a:ea typeface="Calibri" panose="020F0502020204030204" pitchFamily="34" charset="0"/>
+                        <a:cs typeface="Times New Roman" panose="02020603050405020304" pitchFamily="18" charset="0"/>
+                      </a:endParaRPr>
+                    </a:p>
+                  </a:txBody>
+                  <a:tcPr marL="68580" marR="68580" marT="0" marB="0">
+                    <a:solidFill>
+                      <a:schemeClr val="tx2">
+                        <a:lumMod val="20000"/>
+                        <a:lumOff val="80000"/>
+                      </a:schemeClr>
+                    </a:solidFill>
+                  </a:tcPr>
+                </a:tc>
+                <a:tc>
+                  <a:txBody>
+                    <a:bodyPr/>
+                    <a:lstStyle/>
+                    <a:p>
+                      <a:pPr marL="0" marR="0">
+                        <a:lnSpc>
+                          <a:spcPct val="107000"/>
+                        </a:lnSpc>
+                        <a:spcBef>
+                          <a:spcPts val="0"/>
+                        </a:spcBef>
+                        <a:spcAft>
+                          <a:spcPts val="0"/>
+                        </a:spcAft>
+                      </a:pPr>
+                      <a:r>
+                        <a:rPr lang="en-US" sz="1800" dirty="0">
+                          <a:effectLst/>
+                        </a:rPr>
+                        <a:t>2,573</a:t>
+                      </a:r>
+                      <a:endParaRPr lang="en-US" sz="1800" dirty="0">
+                        <a:effectLst/>
+                        <a:latin typeface="Calibri" panose="020F0502020204030204" pitchFamily="34" charset="0"/>
+                        <a:ea typeface="Calibri" panose="020F0502020204030204" pitchFamily="34" charset="0"/>
+                        <a:cs typeface="Times New Roman" panose="02020603050405020304" pitchFamily="18" charset="0"/>
+                      </a:endParaRPr>
+                    </a:p>
+                  </a:txBody>
+                  <a:tcPr marL="68580" marR="68580" marT="0" marB="0">
+                    <a:solidFill>
+                      <a:schemeClr val="tx2">
+                        <a:lumMod val="20000"/>
+                        <a:lumOff val="80000"/>
+                      </a:schemeClr>
+                    </a:solidFill>
+                  </a:tcPr>
+                </a:tc>
+              </a:tr>
+            </a:tbl>
+          </a:graphicData>
+        </a:graphic>
+      </p:graphicFrame>
+      <p:graphicFrame>
+        <p:nvGraphicFramePr>
+          <p:cNvPr id="8" name="Table 7"/>
+          <p:cNvGraphicFramePr>
+            <a:graphicFrameLocks noGrp="1"/>
+          </p:cNvGraphicFramePr>
+          <p:nvPr>
+            <p:extLst>
+              <p:ext uri="{D42A27DB-BD31-4B8C-83A1-F6EECF244321}">
+                <p14:modId xmlns:p14="http://schemas.microsoft.com/office/powerpoint/2010/main" val="1060045225"/>
+              </p:ext>
+            </p:extLst>
+          </p:nvPr>
+        </p:nvGraphicFramePr>
+        <p:xfrm>
+          <a:off x="1144270" y="4136834"/>
+          <a:ext cx="7282278" cy="1799732"/>
+        </p:xfrm>
+        <a:graphic>
+          <a:graphicData uri="http://schemas.openxmlformats.org/drawingml/2006/table">
+            <a:tbl>
+              <a:tblPr firstRow="1" firstCol="1" bandRow="1">
+                <a:tableStyleId>{5C22544A-7EE6-4342-B048-85BDC9FD1C3A}</a:tableStyleId>
+              </a:tblPr>
+              <a:tblGrid>
+                <a:gridCol w="3629537"/>
+                <a:gridCol w="3652741"/>
+              </a:tblGrid>
+              <a:tr h="394055">
+                <a:tc>
+                  <a:txBody>
+                    <a:bodyPr/>
+                    <a:lstStyle/>
+                    <a:p>
+                      <a:pPr marL="0" marR="0">
+                        <a:lnSpc>
+                          <a:spcPct val="107000"/>
+                        </a:lnSpc>
+                        <a:spcBef>
+                          <a:spcPts val="0"/>
+                        </a:spcBef>
+                        <a:spcAft>
+                          <a:spcPts val="0"/>
+                        </a:spcAft>
+                      </a:pPr>
+                      <a:r>
+                        <a:rPr lang="en-US" sz="1800" dirty="0">
+                          <a:effectLst/>
+                        </a:rPr>
+                        <a:t>Framework</a:t>
+                      </a:r>
+                      <a:endParaRPr lang="en-US" sz="1800" dirty="0">
+                        <a:effectLst/>
+                        <a:latin typeface="Calibri" panose="020F0502020204030204" pitchFamily="34" charset="0"/>
+                        <a:ea typeface="Calibri" panose="020F0502020204030204" pitchFamily="34" charset="0"/>
+                        <a:cs typeface="Times New Roman" panose="02020603050405020304" pitchFamily="18" charset="0"/>
+                      </a:endParaRPr>
+                    </a:p>
+                  </a:txBody>
+                  <a:tcPr marL="68580" marR="68580" marT="0" marB="0"/>
+                </a:tc>
+                <a:tc>
+                  <a:txBody>
+                    <a:bodyPr/>
+                    <a:lstStyle/>
+                    <a:p>
+                      <a:pPr marL="0" marR="0">
+                        <a:lnSpc>
+                          <a:spcPct val="107000"/>
+                        </a:lnSpc>
+                        <a:spcBef>
+                          <a:spcPts val="0"/>
+                        </a:spcBef>
+                        <a:spcAft>
+                          <a:spcPts val="0"/>
+                        </a:spcAft>
+                      </a:pPr>
+                      <a:r>
+                        <a:rPr lang="en-US" sz="1800" dirty="0">
+                          <a:effectLst/>
+                        </a:rPr>
+                        <a:t>Best performance (higher is better)</a:t>
+                      </a:r>
+                      <a:endParaRPr lang="en-US" sz="1800" dirty="0">
+                        <a:effectLst/>
+                        <a:latin typeface="Calibri" panose="020F0502020204030204" pitchFamily="34" charset="0"/>
+                        <a:ea typeface="Calibri" panose="020F0502020204030204" pitchFamily="34" charset="0"/>
+                        <a:cs typeface="Times New Roman" panose="02020603050405020304" pitchFamily="18" charset="0"/>
+                      </a:endParaRPr>
+                    </a:p>
+                  </a:txBody>
+                  <a:tcPr marL="68580" marR="68580" marT="0" marB="0"/>
+                </a:tc>
+              </a:tr>
+              <a:tr h="348835">
+                <a:tc>
+                  <a:txBody>
+                    <a:bodyPr/>
+                    <a:lstStyle/>
+                    <a:p>
+                      <a:pPr marL="0" marR="0">
+                        <a:lnSpc>
+                          <a:spcPct val="107000"/>
+                        </a:lnSpc>
+                        <a:spcBef>
+                          <a:spcPts val="0"/>
+                        </a:spcBef>
+                        <a:spcAft>
+                          <a:spcPts val="0"/>
+                        </a:spcAft>
+                      </a:pPr>
+                      <a:r>
+                        <a:rPr lang="en-US" sz="1800" dirty="0">
+                          <a:solidFill>
+                            <a:schemeClr val="tx1"/>
+                          </a:solidFill>
+                          <a:effectLst/>
+                        </a:rPr>
+                        <a:t>Spring</a:t>
+                      </a:r>
+                      <a:endParaRPr lang="en-US" sz="1800" dirty="0">
+                        <a:solidFill>
+                          <a:schemeClr val="tx1"/>
+                        </a:solidFill>
+                        <a:effectLst/>
+                        <a:latin typeface="Calibri" panose="020F0502020204030204" pitchFamily="34" charset="0"/>
+                        <a:ea typeface="Calibri" panose="020F0502020204030204" pitchFamily="34" charset="0"/>
+                        <a:cs typeface="Times New Roman" panose="02020603050405020304" pitchFamily="18" charset="0"/>
+                      </a:endParaRPr>
+                    </a:p>
+                  </a:txBody>
+                  <a:tcPr marL="68580" marR="68580" marT="0" marB="0">
+                    <a:solidFill>
+                      <a:schemeClr val="tx2">
+                        <a:lumMod val="20000"/>
+                        <a:lumOff val="80000"/>
+                      </a:schemeClr>
+                    </a:solidFill>
+                  </a:tcPr>
+                </a:tc>
+                <a:tc>
+                  <a:txBody>
+                    <a:bodyPr/>
+                    <a:lstStyle/>
+                    <a:p>
+                      <a:pPr marL="0" marR="0">
+                        <a:lnSpc>
+                          <a:spcPct val="107000"/>
+                        </a:lnSpc>
+                        <a:spcBef>
+                          <a:spcPts val="0"/>
+                        </a:spcBef>
+                        <a:spcAft>
+                          <a:spcPts val="0"/>
+                        </a:spcAft>
+                      </a:pPr>
+                      <a:r>
+                        <a:rPr lang="en-US" sz="1800" dirty="0">
+                          <a:effectLst/>
+                        </a:rPr>
+                        <a:t>3,916</a:t>
+                      </a:r>
+                      <a:endParaRPr lang="en-US" sz="1800" dirty="0">
+                        <a:effectLst/>
+                        <a:latin typeface="Calibri" panose="020F0502020204030204" pitchFamily="34" charset="0"/>
+                        <a:ea typeface="Calibri" panose="020F0502020204030204" pitchFamily="34" charset="0"/>
+                        <a:cs typeface="Times New Roman" panose="02020603050405020304" pitchFamily="18" charset="0"/>
+                      </a:endParaRPr>
+                    </a:p>
+                  </a:txBody>
+                  <a:tcPr marL="68580" marR="68580" marT="0" marB="0">
+                    <a:solidFill>
+                      <a:schemeClr val="tx2">
+                        <a:lumMod val="20000"/>
+                        <a:lumOff val="80000"/>
+                      </a:schemeClr>
+                    </a:solidFill>
+                  </a:tcPr>
+                </a:tc>
+              </a:tr>
+              <a:tr h="348835">
+                <a:tc>
+                  <a:txBody>
+                    <a:bodyPr/>
+                    <a:lstStyle/>
+                    <a:p>
+                      <a:pPr marL="0" marR="0">
+                        <a:lnSpc>
+                          <a:spcPct val="107000"/>
+                        </a:lnSpc>
+                        <a:spcBef>
+                          <a:spcPts val="0"/>
+                        </a:spcBef>
+                        <a:spcAft>
+                          <a:spcPts val="0"/>
+                        </a:spcAft>
+                      </a:pPr>
+                      <a:r>
+                        <a:rPr lang="en-US" sz="1800" dirty="0">
+                          <a:solidFill>
+                            <a:schemeClr val="tx1"/>
+                          </a:solidFill>
+                          <a:effectLst/>
+                        </a:rPr>
+                        <a:t>Grails </a:t>
+                      </a:r>
+                      <a:endParaRPr lang="en-US" sz="1800" dirty="0">
+                        <a:solidFill>
+                          <a:schemeClr val="tx1"/>
+                        </a:solidFill>
+                        <a:effectLst/>
+                        <a:latin typeface="Calibri" panose="020F0502020204030204" pitchFamily="34" charset="0"/>
+                        <a:ea typeface="Calibri" panose="020F0502020204030204" pitchFamily="34" charset="0"/>
+                        <a:cs typeface="Times New Roman" panose="02020603050405020304" pitchFamily="18" charset="0"/>
+                      </a:endParaRPr>
+                    </a:p>
+                  </a:txBody>
+                  <a:tcPr marL="68580" marR="68580" marT="0" marB="0">
+                    <a:solidFill>
+                      <a:schemeClr val="tx2">
+                        <a:lumMod val="20000"/>
+                        <a:lumOff val="80000"/>
+                      </a:schemeClr>
+                    </a:solidFill>
+                  </a:tcPr>
+                </a:tc>
+                <a:tc>
+                  <a:txBody>
+                    <a:bodyPr/>
+                    <a:lstStyle/>
+                    <a:p>
+                      <a:pPr marL="0" marR="0">
+                        <a:lnSpc>
+                          <a:spcPct val="107000"/>
+                        </a:lnSpc>
+                        <a:spcBef>
+                          <a:spcPts val="0"/>
+                        </a:spcBef>
+                        <a:spcAft>
+                          <a:spcPts val="0"/>
+                        </a:spcAft>
+                      </a:pPr>
+                      <a:r>
+                        <a:rPr lang="en-US" sz="1800" dirty="0">
+                          <a:effectLst/>
+                        </a:rPr>
+                        <a:t>3,393</a:t>
+                      </a:r>
+                      <a:endParaRPr lang="en-US" sz="1800" dirty="0">
+                        <a:effectLst/>
+                        <a:latin typeface="Calibri" panose="020F0502020204030204" pitchFamily="34" charset="0"/>
+                        <a:ea typeface="Calibri" panose="020F0502020204030204" pitchFamily="34" charset="0"/>
+                        <a:cs typeface="Times New Roman" panose="02020603050405020304" pitchFamily="18" charset="0"/>
+                      </a:endParaRPr>
+                    </a:p>
+                  </a:txBody>
+                  <a:tcPr marL="68580" marR="68580" marT="0" marB="0">
+                    <a:solidFill>
+                      <a:schemeClr val="tx2">
+                        <a:lumMod val="20000"/>
+                        <a:lumOff val="80000"/>
+                      </a:schemeClr>
+                    </a:solidFill>
+                  </a:tcPr>
+                </a:tc>
+              </a:tr>
+              <a:tr h="359172">
+                <a:tc>
+                  <a:txBody>
+                    <a:bodyPr/>
+                    <a:lstStyle/>
+                    <a:p>
+                      <a:pPr marL="0" marR="0">
+                        <a:lnSpc>
+                          <a:spcPct val="107000"/>
+                        </a:lnSpc>
+                        <a:spcBef>
+                          <a:spcPts val="0"/>
+                        </a:spcBef>
+                        <a:spcAft>
+                          <a:spcPts val="0"/>
+                        </a:spcAft>
+                      </a:pPr>
+                      <a:r>
+                        <a:rPr lang="en-US" sz="1800" dirty="0">
+                          <a:solidFill>
+                            <a:schemeClr val="tx1"/>
+                          </a:solidFill>
+                          <a:effectLst/>
+                        </a:rPr>
+                        <a:t>Django</a:t>
+                      </a:r>
+                      <a:endParaRPr lang="en-US" sz="1800" dirty="0">
+                        <a:solidFill>
+                          <a:schemeClr val="tx1"/>
+                        </a:solidFill>
+                        <a:effectLst/>
+                        <a:latin typeface="Calibri" panose="020F0502020204030204" pitchFamily="34" charset="0"/>
+                        <a:ea typeface="Calibri" panose="020F0502020204030204" pitchFamily="34" charset="0"/>
+                        <a:cs typeface="Times New Roman" panose="02020603050405020304" pitchFamily="18" charset="0"/>
+                      </a:endParaRPr>
+                    </a:p>
+                  </a:txBody>
+                  <a:tcPr marL="68580" marR="68580" marT="0" marB="0">
+                    <a:solidFill>
+                      <a:schemeClr val="tx2">
+                        <a:lumMod val="20000"/>
+                        <a:lumOff val="80000"/>
+                      </a:schemeClr>
+                    </a:solidFill>
+                  </a:tcPr>
+                </a:tc>
+                <a:tc>
+                  <a:txBody>
+                    <a:bodyPr/>
+                    <a:lstStyle/>
+                    <a:p>
+                      <a:pPr marL="0" marR="0">
+                        <a:lnSpc>
+                          <a:spcPct val="107000"/>
+                        </a:lnSpc>
+                        <a:spcBef>
+                          <a:spcPts val="0"/>
+                        </a:spcBef>
+                        <a:spcAft>
+                          <a:spcPts val="0"/>
+                        </a:spcAft>
+                      </a:pPr>
+                      <a:r>
+                        <a:rPr lang="en-US" sz="1800" dirty="0">
+                          <a:effectLst/>
+                        </a:rPr>
+                        <a:t>1,698</a:t>
+                      </a:r>
+                      <a:endParaRPr lang="en-US" sz="1800" dirty="0">
+                        <a:effectLst/>
+                        <a:latin typeface="Calibri" panose="020F0502020204030204" pitchFamily="34" charset="0"/>
+                        <a:ea typeface="Calibri" panose="020F0502020204030204" pitchFamily="34" charset="0"/>
+                        <a:cs typeface="Times New Roman" panose="02020603050405020304" pitchFamily="18" charset="0"/>
+                      </a:endParaRPr>
+                    </a:p>
+                  </a:txBody>
+                  <a:tcPr marL="68580" marR="68580" marT="0" marB="0">
+                    <a:solidFill>
+                      <a:schemeClr val="tx2">
+                        <a:lumMod val="20000"/>
+                        <a:lumOff val="80000"/>
+                      </a:schemeClr>
+                    </a:solidFill>
+                  </a:tcPr>
+                </a:tc>
+              </a:tr>
+              <a:tr h="348835">
+                <a:tc>
+                  <a:txBody>
+                    <a:bodyPr/>
+                    <a:lstStyle/>
+                    <a:p>
+                      <a:pPr marL="0" marR="0">
+                        <a:lnSpc>
+                          <a:spcPct val="107000"/>
+                        </a:lnSpc>
+                        <a:spcBef>
+                          <a:spcPts val="0"/>
+                        </a:spcBef>
+                        <a:spcAft>
+                          <a:spcPts val="0"/>
+                        </a:spcAft>
+                      </a:pPr>
+                      <a:r>
+                        <a:rPr lang="en-US" sz="1800" dirty="0">
+                          <a:solidFill>
+                            <a:schemeClr val="tx1"/>
+                          </a:solidFill>
+                          <a:effectLst/>
+                        </a:rPr>
+                        <a:t>Trinidad Rails</a:t>
+                      </a:r>
+                      <a:endParaRPr lang="en-US" sz="1800" dirty="0">
+                        <a:solidFill>
+                          <a:schemeClr val="tx1"/>
+                        </a:solidFill>
+                        <a:effectLst/>
+                        <a:latin typeface="Calibri" panose="020F0502020204030204" pitchFamily="34" charset="0"/>
+                        <a:ea typeface="Calibri" panose="020F0502020204030204" pitchFamily="34" charset="0"/>
+                        <a:cs typeface="Times New Roman" panose="02020603050405020304" pitchFamily="18" charset="0"/>
+                      </a:endParaRPr>
+                    </a:p>
+                  </a:txBody>
+                  <a:tcPr marL="68580" marR="68580" marT="0" marB="0">
+                    <a:solidFill>
+                      <a:schemeClr val="tx2">
+                        <a:lumMod val="20000"/>
+                        <a:lumOff val="80000"/>
+                      </a:schemeClr>
+                    </a:solidFill>
+                  </a:tcPr>
+                </a:tc>
+                <a:tc>
+                  <a:txBody>
+                    <a:bodyPr/>
+                    <a:lstStyle/>
+                    <a:p>
+                      <a:pPr marL="0" marR="0">
+                        <a:lnSpc>
+                          <a:spcPct val="107000"/>
+                        </a:lnSpc>
+                        <a:spcBef>
+                          <a:spcPts val="0"/>
+                        </a:spcBef>
+                        <a:spcAft>
+                          <a:spcPts val="0"/>
+                        </a:spcAft>
+                      </a:pPr>
+                      <a:r>
+                        <a:rPr lang="en-US" sz="1800" dirty="0">
+                          <a:effectLst/>
+                        </a:rPr>
+                        <a:t>1,498</a:t>
+                      </a:r>
+                      <a:endParaRPr lang="en-US" sz="1800" dirty="0">
+                        <a:effectLst/>
+                        <a:latin typeface="Calibri" panose="020F0502020204030204" pitchFamily="34" charset="0"/>
+                        <a:ea typeface="Calibri" panose="020F0502020204030204" pitchFamily="34" charset="0"/>
+                        <a:cs typeface="Times New Roman" panose="02020603050405020304" pitchFamily="18" charset="0"/>
+                      </a:endParaRPr>
+                    </a:p>
+                  </a:txBody>
+                  <a:tcPr marL="68580" marR="68580" marT="0" marB="0">
+                    <a:solidFill>
+                      <a:schemeClr val="tx2">
+                        <a:lumMod val="20000"/>
+                        <a:lumOff val="80000"/>
+                      </a:schemeClr>
+                    </a:solidFill>
+                  </a:tcPr>
+                </a:tc>
+              </a:tr>
+            </a:tbl>
+          </a:graphicData>
+        </a:graphic>
+      </p:graphicFrame>
     </p:spTree>
     <p:extLst>
       <p:ext uri="{BB962C8B-B14F-4D97-AF65-F5344CB8AC3E}">
